--- a/Licenta.pptx
+++ b/Licenta.pptx
@@ -2,8 +2,11 @@
 <file path=ppt/presentation.xml><?xml version="1.0" encoding="utf-8"?>
 <p:presentation xmlns:a="http://schemas.openxmlformats.org/drawingml/2006/main" xmlns:r="http://schemas.openxmlformats.org/officeDocument/2006/relationships" xmlns:p="http://schemas.openxmlformats.org/presentationml/2006/main" saveSubsetFonts="1">
   <p:sldMasterIdLst>
-    <p:sldMasterId id="2147483648" r:id="rId1"/>
+    <p:sldMasterId id="2147483660" r:id="rId1"/>
   </p:sldMasterIdLst>
+  <p:notesMasterIdLst>
+    <p:notesMasterId r:id="rId9"/>
+  </p:notesMasterIdLst>
   <p:sldIdLst>
     <p:sldId id="256" r:id="rId2"/>
     <p:sldId id="257" r:id="rId3"/>
@@ -113,6 +116,356 @@
 </p:presentation>
 </file>
 
+<file path=ppt/notesMasters/notesMaster1.xml><?xml version="1.0" encoding="utf-8"?>
+<p:notesMaster xmlns:a="http://schemas.openxmlformats.org/drawingml/2006/main" xmlns:r="http://schemas.openxmlformats.org/officeDocument/2006/relationships" xmlns:p="http://schemas.openxmlformats.org/presentationml/2006/main">
+  <p:cSld>
+    <p:bg>
+      <p:bgRef idx="1001">
+        <a:schemeClr val="bg1"/>
+      </p:bgRef>
+    </p:bg>
+    <p:spTree>
+      <p:nvGrpSpPr>
+        <p:cNvPr id="1" name=""/>
+        <p:cNvGrpSpPr/>
+        <p:nvPr/>
+      </p:nvGrpSpPr>
+      <p:grpSpPr>
+        <a:xfrm>
+          <a:off x="0" y="0"/>
+          <a:ext cx="0" cy="0"/>
+          <a:chOff x="0" y="0"/>
+          <a:chExt cx="0" cy="0"/>
+        </a:xfrm>
+      </p:grpSpPr>
+      <p:sp>
+        <p:nvSpPr>
+          <p:cNvPr id="2" name="Header Placeholder 1"/>
+          <p:cNvSpPr>
+            <a:spLocks noGrp="1"/>
+          </p:cNvSpPr>
+          <p:nvPr>
+            <p:ph type="hdr" sz="quarter"/>
+          </p:nvPr>
+        </p:nvSpPr>
+        <p:spPr>
+          <a:xfrm>
+            <a:off x="0" y="0"/>
+            <a:ext cx="2971800" cy="457200"/>
+          </a:xfrm>
+          <a:prstGeom prst="rect">
+            <a:avLst/>
+          </a:prstGeom>
+        </p:spPr>
+        <p:txBody>
+          <a:bodyPr vert="horz" lIns="91440" tIns="45720" rIns="91440" bIns="45720" rtlCol="0"/>
+          <a:lstStyle>
+            <a:lvl1pPr algn="l">
+              <a:defRPr sz="1200"/>
+            </a:lvl1pPr>
+          </a:lstStyle>
+          <a:p>
+            <a:endParaRPr lang="ro-RO"/>
+          </a:p>
+        </p:txBody>
+      </p:sp>
+      <p:sp>
+        <p:nvSpPr>
+          <p:cNvPr id="3" name="Date Placeholder 2"/>
+          <p:cNvSpPr>
+            <a:spLocks noGrp="1"/>
+          </p:cNvSpPr>
+          <p:nvPr>
+            <p:ph type="dt" idx="1"/>
+          </p:nvPr>
+        </p:nvSpPr>
+        <p:spPr>
+          <a:xfrm>
+            <a:off x="3884613" y="0"/>
+            <a:ext cx="2971800" cy="457200"/>
+          </a:xfrm>
+          <a:prstGeom prst="rect">
+            <a:avLst/>
+          </a:prstGeom>
+        </p:spPr>
+        <p:txBody>
+          <a:bodyPr vert="horz" lIns="91440" tIns="45720" rIns="91440" bIns="45720" rtlCol="0"/>
+          <a:lstStyle>
+            <a:lvl1pPr algn="r">
+              <a:defRPr sz="1200"/>
+            </a:lvl1pPr>
+          </a:lstStyle>
+          <a:p>
+            <a:fld id="{4DDBFDDB-0330-4444-8BCE-6376A0BB2483}" type="datetimeFigureOut">
+              <a:rPr lang="ro-RO" smtClean="0"/>
+              <a:t>02.07.2015</a:t>
+            </a:fld>
+            <a:endParaRPr lang="ro-RO"/>
+          </a:p>
+        </p:txBody>
+      </p:sp>
+      <p:sp>
+        <p:nvSpPr>
+          <p:cNvPr id="4" name="Slide Image Placeholder 3"/>
+          <p:cNvSpPr>
+            <a:spLocks noGrp="1" noRot="1" noChangeAspect="1"/>
+          </p:cNvSpPr>
+          <p:nvPr>
+            <p:ph type="sldImg" idx="2"/>
+          </p:nvPr>
+        </p:nvSpPr>
+        <p:spPr>
+          <a:xfrm>
+            <a:off x="1143000" y="685800"/>
+            <a:ext cx="4572000" cy="3429000"/>
+          </a:xfrm>
+          <a:prstGeom prst="rect">
+            <a:avLst/>
+          </a:prstGeom>
+          <a:noFill/>
+          <a:ln w="12700">
+            <a:solidFill>
+              <a:prstClr val="black"/>
+            </a:solidFill>
+          </a:ln>
+        </p:spPr>
+        <p:txBody>
+          <a:bodyPr vert="horz" lIns="91440" tIns="45720" rIns="91440" bIns="45720" rtlCol="0" anchor="ctr"/>
+          <a:lstStyle/>
+          <a:p>
+            <a:endParaRPr lang="ro-RO"/>
+          </a:p>
+        </p:txBody>
+      </p:sp>
+      <p:sp>
+        <p:nvSpPr>
+          <p:cNvPr id="5" name="Notes Placeholder 4"/>
+          <p:cNvSpPr>
+            <a:spLocks noGrp="1"/>
+          </p:cNvSpPr>
+          <p:nvPr>
+            <p:ph type="body" sz="quarter" idx="3"/>
+          </p:nvPr>
+        </p:nvSpPr>
+        <p:spPr>
+          <a:xfrm>
+            <a:off x="685800" y="4343400"/>
+            <a:ext cx="5486400" cy="4114800"/>
+          </a:xfrm>
+          <a:prstGeom prst="rect">
+            <a:avLst/>
+          </a:prstGeom>
+        </p:spPr>
+        <p:txBody>
+          <a:bodyPr vert="horz" lIns="91440" tIns="45720" rIns="91440" bIns="45720" rtlCol="0"/>
+          <a:lstStyle/>
+          <a:p>
+            <a:pPr lvl="0"/>
+            <a:r>
+              <a:rPr lang="en-US" smtClean="0"/>
+              <a:t>Click to edit Master text styles</a:t>
+            </a:r>
+          </a:p>
+          <a:p>
+            <a:pPr lvl="1"/>
+            <a:r>
+              <a:rPr lang="en-US" smtClean="0"/>
+              <a:t>Second level</a:t>
+            </a:r>
+          </a:p>
+          <a:p>
+            <a:pPr lvl="2"/>
+            <a:r>
+              <a:rPr lang="en-US" smtClean="0"/>
+              <a:t>Third level</a:t>
+            </a:r>
+          </a:p>
+          <a:p>
+            <a:pPr lvl="3"/>
+            <a:r>
+              <a:rPr lang="en-US" smtClean="0"/>
+              <a:t>Fourth level</a:t>
+            </a:r>
+          </a:p>
+          <a:p>
+            <a:pPr lvl="4"/>
+            <a:r>
+              <a:rPr lang="en-US" smtClean="0"/>
+              <a:t>Fifth level</a:t>
+            </a:r>
+            <a:endParaRPr lang="ro-RO"/>
+          </a:p>
+        </p:txBody>
+      </p:sp>
+      <p:sp>
+        <p:nvSpPr>
+          <p:cNvPr id="6" name="Footer Placeholder 5"/>
+          <p:cNvSpPr>
+            <a:spLocks noGrp="1"/>
+          </p:cNvSpPr>
+          <p:nvPr>
+            <p:ph type="ftr" sz="quarter" idx="4"/>
+          </p:nvPr>
+        </p:nvSpPr>
+        <p:spPr>
+          <a:xfrm>
+            <a:off x="0" y="8685213"/>
+            <a:ext cx="2971800" cy="457200"/>
+          </a:xfrm>
+          <a:prstGeom prst="rect">
+            <a:avLst/>
+          </a:prstGeom>
+        </p:spPr>
+        <p:txBody>
+          <a:bodyPr vert="horz" lIns="91440" tIns="45720" rIns="91440" bIns="45720" rtlCol="0" anchor="b"/>
+          <a:lstStyle>
+            <a:lvl1pPr algn="l">
+              <a:defRPr sz="1200"/>
+            </a:lvl1pPr>
+          </a:lstStyle>
+          <a:p>
+            <a:endParaRPr lang="ro-RO"/>
+          </a:p>
+        </p:txBody>
+      </p:sp>
+      <p:sp>
+        <p:nvSpPr>
+          <p:cNvPr id="7" name="Slide Number Placeholder 6"/>
+          <p:cNvSpPr>
+            <a:spLocks noGrp="1"/>
+          </p:cNvSpPr>
+          <p:nvPr>
+            <p:ph type="sldNum" sz="quarter" idx="5"/>
+          </p:nvPr>
+        </p:nvSpPr>
+        <p:spPr>
+          <a:xfrm>
+            <a:off x="3884613" y="8685213"/>
+            <a:ext cx="2971800" cy="457200"/>
+          </a:xfrm>
+          <a:prstGeom prst="rect">
+            <a:avLst/>
+          </a:prstGeom>
+        </p:spPr>
+        <p:txBody>
+          <a:bodyPr vert="horz" lIns="91440" tIns="45720" rIns="91440" bIns="45720" rtlCol="0" anchor="b"/>
+          <a:lstStyle>
+            <a:lvl1pPr algn="r">
+              <a:defRPr sz="1200"/>
+            </a:lvl1pPr>
+          </a:lstStyle>
+          <a:p>
+            <a:fld id="{13D7B5ED-8FB7-4B7D-9BD1-B5F81F8F44B1}" type="slidenum">
+              <a:rPr lang="ro-RO" smtClean="0"/>
+              <a:t>‹#›</a:t>
+            </a:fld>
+            <a:endParaRPr lang="ro-RO"/>
+          </a:p>
+        </p:txBody>
+      </p:sp>
+    </p:spTree>
+    <p:extLst>
+      <p:ext uri="{BB962C8B-B14F-4D97-AF65-F5344CB8AC3E}">
+        <p14:creationId xmlns:p14="http://schemas.microsoft.com/office/powerpoint/2010/main" val="4121037990"/>
+      </p:ext>
+    </p:extLst>
+  </p:cSld>
+  <p:clrMap bg1="lt1" tx1="dk1" bg2="lt2" tx2="dk2" accent1="accent1" accent2="accent2" accent3="accent3" accent4="accent4" accent5="accent5" accent6="accent6" hlink="hlink" folHlink="folHlink"/>
+  <p:notesStyle>
+    <a:lvl1pPr marL="0" algn="l" defTabSz="914400" rtl="0" eaLnBrk="1" latinLnBrk="0" hangingPunct="1">
+      <a:defRPr sz="1200" kern="1200">
+        <a:solidFill>
+          <a:schemeClr val="tx1"/>
+        </a:solidFill>
+        <a:latin typeface="+mn-lt"/>
+        <a:ea typeface="+mn-ea"/>
+        <a:cs typeface="+mn-cs"/>
+      </a:defRPr>
+    </a:lvl1pPr>
+    <a:lvl2pPr marL="457200" algn="l" defTabSz="914400" rtl="0" eaLnBrk="1" latinLnBrk="0" hangingPunct="1">
+      <a:defRPr sz="1200" kern="1200">
+        <a:solidFill>
+          <a:schemeClr val="tx1"/>
+        </a:solidFill>
+        <a:latin typeface="+mn-lt"/>
+        <a:ea typeface="+mn-ea"/>
+        <a:cs typeface="+mn-cs"/>
+      </a:defRPr>
+    </a:lvl2pPr>
+    <a:lvl3pPr marL="914400" algn="l" defTabSz="914400" rtl="0" eaLnBrk="1" latinLnBrk="0" hangingPunct="1">
+      <a:defRPr sz="1200" kern="1200">
+        <a:solidFill>
+          <a:schemeClr val="tx1"/>
+        </a:solidFill>
+        <a:latin typeface="+mn-lt"/>
+        <a:ea typeface="+mn-ea"/>
+        <a:cs typeface="+mn-cs"/>
+      </a:defRPr>
+    </a:lvl3pPr>
+    <a:lvl4pPr marL="1371600" algn="l" defTabSz="914400" rtl="0" eaLnBrk="1" latinLnBrk="0" hangingPunct="1">
+      <a:defRPr sz="1200" kern="1200">
+        <a:solidFill>
+          <a:schemeClr val="tx1"/>
+        </a:solidFill>
+        <a:latin typeface="+mn-lt"/>
+        <a:ea typeface="+mn-ea"/>
+        <a:cs typeface="+mn-cs"/>
+      </a:defRPr>
+    </a:lvl4pPr>
+    <a:lvl5pPr marL="1828800" algn="l" defTabSz="914400" rtl="0" eaLnBrk="1" latinLnBrk="0" hangingPunct="1">
+      <a:defRPr sz="1200" kern="1200">
+        <a:solidFill>
+          <a:schemeClr val="tx1"/>
+        </a:solidFill>
+        <a:latin typeface="+mn-lt"/>
+        <a:ea typeface="+mn-ea"/>
+        <a:cs typeface="+mn-cs"/>
+      </a:defRPr>
+    </a:lvl5pPr>
+    <a:lvl6pPr marL="2286000" algn="l" defTabSz="914400" rtl="0" eaLnBrk="1" latinLnBrk="0" hangingPunct="1">
+      <a:defRPr sz="1200" kern="1200">
+        <a:solidFill>
+          <a:schemeClr val="tx1"/>
+        </a:solidFill>
+        <a:latin typeface="+mn-lt"/>
+        <a:ea typeface="+mn-ea"/>
+        <a:cs typeface="+mn-cs"/>
+      </a:defRPr>
+    </a:lvl6pPr>
+    <a:lvl7pPr marL="2743200" algn="l" defTabSz="914400" rtl="0" eaLnBrk="1" latinLnBrk="0" hangingPunct="1">
+      <a:defRPr sz="1200" kern="1200">
+        <a:solidFill>
+          <a:schemeClr val="tx1"/>
+        </a:solidFill>
+        <a:latin typeface="+mn-lt"/>
+        <a:ea typeface="+mn-ea"/>
+        <a:cs typeface="+mn-cs"/>
+      </a:defRPr>
+    </a:lvl7pPr>
+    <a:lvl8pPr marL="3200400" algn="l" defTabSz="914400" rtl="0" eaLnBrk="1" latinLnBrk="0" hangingPunct="1">
+      <a:defRPr sz="1200" kern="1200">
+        <a:solidFill>
+          <a:schemeClr val="tx1"/>
+        </a:solidFill>
+        <a:latin typeface="+mn-lt"/>
+        <a:ea typeface="+mn-ea"/>
+        <a:cs typeface="+mn-cs"/>
+      </a:defRPr>
+    </a:lvl8pPr>
+    <a:lvl9pPr marL="3657600" algn="l" defTabSz="914400" rtl="0" eaLnBrk="1" latinLnBrk="0" hangingPunct="1">
+      <a:defRPr sz="1200" kern="1200">
+        <a:solidFill>
+          <a:schemeClr val="tx1"/>
+        </a:solidFill>
+        <a:latin typeface="+mn-lt"/>
+        <a:ea typeface="+mn-ea"/>
+        <a:cs typeface="+mn-cs"/>
+      </a:defRPr>
+    </a:lvl9pPr>
+  </p:notesStyle>
+</p:notesMaster>
+</file>
+
 <file path=ppt/slideLayouts/slideLayout1.xml><?xml version="1.0" encoding="utf-8"?>
 <p:sldLayout xmlns:a="http://schemas.openxmlformats.org/drawingml/2006/main" xmlns:r="http://schemas.openxmlformats.org/officeDocument/2006/relationships" xmlns:p="http://schemas.openxmlformats.org/presentationml/2006/main" type="title" preserve="1">
   <p:cSld name="Title Slide">
@@ -142,19 +495,25 @@
         </p:nvSpPr>
         <p:spPr>
           <a:xfrm>
-            <a:off x="685800" y="2130425"/>
-            <a:ext cx="7772400" cy="1470025"/>
+            <a:off x="685800" y="1371600"/>
+            <a:ext cx="7848600" cy="1927225"/>
           </a:xfrm>
         </p:spPr>
         <p:txBody>
-          <a:bodyPr/>
-          <a:lstStyle/>
+          <a:bodyPr anchor="b">
+            <a:noAutofit/>
+          </a:bodyPr>
+          <a:lstStyle>
+            <a:lvl1pPr>
+              <a:defRPr sz="5400" cap="all" baseline="0"/>
+            </a:lvl1pPr>
+          </a:lstStyle>
           <a:p>
             <a:r>
               <a:rPr lang="en-US" smtClean="0"/>
               <a:t>Click to edit Master title style</a:t>
             </a:r>
-            <a:endParaRPr lang="en-US"/>
+            <a:endParaRPr lang="en-US" dirty="0"/>
           </a:p>
         </p:txBody>
       </p:sp>
@@ -170,19 +529,20 @@
         </p:nvSpPr>
         <p:spPr>
           <a:xfrm>
-            <a:off x="1371600" y="3886200"/>
+            <a:off x="685800" y="3505200"/>
             <a:ext cx="6400800" cy="1752600"/>
           </a:xfrm>
         </p:spPr>
         <p:txBody>
           <a:bodyPr/>
           <a:lstStyle>
-            <a:lvl1pPr marL="0" indent="0" algn="ctr">
+            <a:lvl1pPr marL="0" indent="0" algn="l">
               <a:buNone/>
               <a:defRPr>
                 <a:solidFill>
                   <a:schemeClr val="tx1">
-                    <a:tint val="75000"/>
+                    <a:lumMod val="75000"/>
+                    <a:lumOff val="25000"/>
                   </a:schemeClr>
                 </a:solidFill>
               </a:defRPr>
@@ -273,7 +633,7 @@
               <a:rPr lang="en-US" smtClean="0"/>
               <a:t>Click to edit Master subtitle style</a:t>
             </a:r>
-            <a:endParaRPr lang="en-US"/>
+            <a:endParaRPr lang="en-US" dirty="0"/>
           </a:p>
         </p:txBody>
       </p:sp>
@@ -292,10 +652,9 @@
           <a:bodyPr/>
           <a:lstStyle/>
           <a:p>
-            <a:fld id="{1D8BD707-D9CF-40AE-B4C6-C98DA3205C09}" type="datetimeFigureOut">
-              <a:rPr lang="en-US" smtClean="0"/>
-              <a:pPr/>
-              <a:t>7/1/2015</a:t>
+            <a:fld id="{AEF74D50-76DC-4B0A-8E55-58EC4221ABA4}" type="datetime1">
+              <a:rPr lang="en-US" smtClean="0"/>
+              <a:t>7/2/2015</a:t>
             </a:fld>
             <a:endParaRPr lang="en-US"/>
           </a:p>
@@ -344,6 +703,41 @@
           </a:p>
         </p:txBody>
       </p:sp>
+      <p:cxnSp>
+        <p:nvCxnSpPr>
+          <p:cNvPr id="8" name="Straight Connector 7"/>
+          <p:cNvCxnSpPr/>
+          <p:nvPr/>
+        </p:nvCxnSpPr>
+        <p:spPr>
+          <a:xfrm>
+            <a:off x="685800" y="3398520"/>
+            <a:ext cx="7848600" cy="1588"/>
+          </a:xfrm>
+          <a:prstGeom prst="line">
+            <a:avLst/>
+          </a:prstGeom>
+          <a:ln w="19050">
+            <a:solidFill>
+              <a:schemeClr val="tx2"/>
+            </a:solidFill>
+          </a:ln>
+        </p:spPr>
+        <p:style>
+          <a:lnRef idx="1">
+            <a:schemeClr val="accent1"/>
+          </a:lnRef>
+          <a:fillRef idx="0">
+            <a:schemeClr val="accent1"/>
+          </a:fillRef>
+          <a:effectRef idx="0">
+            <a:schemeClr val="accent1"/>
+          </a:effectRef>
+          <a:fontRef idx="minor">
+            <a:schemeClr val="tx1"/>
+          </a:fontRef>
+        </p:style>
+      </p:cxnSp>
     </p:spTree>
   </p:cSld>
   <p:clrMapOvr>
@@ -459,10 +853,9 @@
           <a:bodyPr/>
           <a:lstStyle/>
           <a:p>
-            <a:fld id="{1D8BD707-D9CF-40AE-B4C6-C98DA3205C09}" type="datetimeFigureOut">
-              <a:rPr lang="en-US" smtClean="0"/>
-              <a:pPr/>
-              <a:t>7/1/2015</a:t>
+            <a:fld id="{AD6A3DDA-8E5C-4D43-BE45-FDD23C36F529}" type="datetime1">
+              <a:rPr lang="en-US" smtClean="0"/>
+              <a:t>7/2/2015</a:t>
             </a:fld>
             <a:endParaRPr lang="en-US"/>
           </a:p>
@@ -548,19 +941,19 @@
         </p:nvSpPr>
         <p:spPr>
           <a:xfrm>
-            <a:off x="6629400" y="274638"/>
-            <a:ext cx="2057400" cy="5851525"/>
+            <a:off x="6629400" y="609600"/>
+            <a:ext cx="2057400" cy="5867400"/>
           </a:xfrm>
         </p:spPr>
         <p:txBody>
-          <a:bodyPr vert="eaVert"/>
+          <a:bodyPr vert="eaVert" anchor="b"/>
           <a:lstStyle/>
           <a:p>
             <a:r>
               <a:rPr lang="en-US" smtClean="0"/>
               <a:t>Click to edit Master title style</a:t>
             </a:r>
-            <a:endParaRPr lang="en-US"/>
+            <a:endParaRPr lang="en-US" dirty="0"/>
           </a:p>
         </p:txBody>
       </p:sp>
@@ -576,8 +969,8 @@
         </p:nvSpPr>
         <p:spPr>
           <a:xfrm>
-            <a:off x="457200" y="274638"/>
-            <a:ext cx="6019800" cy="5851525"/>
+            <a:off x="457200" y="609600"/>
+            <a:ext cx="6019800" cy="5867400"/>
           </a:xfrm>
         </p:spPr>
         <p:txBody>
@@ -617,7 +1010,7 @@
               <a:rPr lang="en-US" smtClean="0"/>
               <a:t>Fifth level</a:t>
             </a:r>
-            <a:endParaRPr lang="en-US"/>
+            <a:endParaRPr lang="en-US" dirty="0"/>
           </a:p>
         </p:txBody>
       </p:sp>
@@ -636,10 +1029,9 @@
           <a:bodyPr/>
           <a:lstStyle/>
           <a:p>
-            <a:fld id="{1D8BD707-D9CF-40AE-B4C6-C98DA3205C09}" type="datetimeFigureOut">
-              <a:rPr lang="en-US" smtClean="0"/>
-              <a:pPr/>
-              <a:t>7/1/2015</a:t>
+            <a:fld id="{BF51A637-5282-4AB2-A01E-06DEB98AF708}" type="datetime1">
+              <a:rPr lang="en-US" smtClean="0"/>
+              <a:t>7/2/2015</a:t>
             </a:fld>
             <a:endParaRPr lang="en-US"/>
           </a:p>
@@ -803,10 +1195,9 @@
           <a:bodyPr/>
           <a:lstStyle/>
           <a:p>
-            <a:fld id="{1D8BD707-D9CF-40AE-B4C6-C98DA3205C09}" type="datetimeFigureOut">
-              <a:rPr lang="en-US" smtClean="0"/>
-              <a:pPr/>
-              <a:t>7/1/2015</a:t>
+            <a:fld id="{22D43C65-19F6-40D7-961C-256E3959D6D4}" type="datetime1">
+              <a:rPr lang="en-US" smtClean="0"/>
+              <a:t>7/2/2015</a:t>
             </a:fld>
             <a:endParaRPr lang="en-US"/>
           </a:p>
@@ -866,6 +1257,11 @@
 <file path=ppt/slideLayouts/slideLayout3.xml><?xml version="1.0" encoding="utf-8"?>
 <p:sldLayout xmlns:a="http://schemas.openxmlformats.org/drawingml/2006/main" xmlns:r="http://schemas.openxmlformats.org/officeDocument/2006/relationships" xmlns:p="http://schemas.openxmlformats.org/presentationml/2006/main" type="secHead" preserve="1">
   <p:cSld name="Section Header">
+    <p:bg>
+      <p:bgRef idx="1001">
+        <a:schemeClr val="bg2"/>
+      </p:bgRef>
+    </p:bg>
     <p:spTree>
       <p:nvGrpSpPr>
         <p:cNvPr id="1" name=""/>
@@ -892,15 +1288,17 @@
         </p:nvSpPr>
         <p:spPr>
           <a:xfrm>
-            <a:off x="722313" y="4406900"/>
-            <a:ext cx="7772400" cy="1362075"/>
+            <a:off x="722313" y="2362200"/>
+            <a:ext cx="7772400" cy="2200275"/>
           </a:xfrm>
         </p:spPr>
         <p:txBody>
-          <a:bodyPr anchor="t"/>
+          <a:bodyPr anchor="b">
+            <a:normAutofit/>
+          </a:bodyPr>
           <a:lstStyle>
             <a:lvl1pPr algn="l">
-              <a:defRPr sz="4000" b="1" cap="all"/>
+              <a:defRPr sz="4800" b="0" cap="all"/>
             </a:lvl1pPr>
           </a:lstStyle>
           <a:p>
@@ -908,7 +1306,7 @@
               <a:rPr lang="en-US" smtClean="0"/>
               <a:t>Click to edit Master title style</a:t>
             </a:r>
-            <a:endParaRPr lang="en-US"/>
+            <a:endParaRPr lang="en-US" dirty="0"/>
           </a:p>
         </p:txBody>
       </p:sp>
@@ -924,20 +1322,20 @@
         </p:nvSpPr>
         <p:spPr>
           <a:xfrm>
-            <a:off x="722313" y="2906713"/>
+            <a:off x="722313" y="4626864"/>
             <a:ext cx="7772400" cy="1500187"/>
           </a:xfrm>
         </p:spPr>
         <p:txBody>
-          <a:bodyPr anchor="b"/>
+          <a:bodyPr anchor="t">
+            <a:normAutofit/>
+          </a:bodyPr>
           <a:lstStyle>
             <a:lvl1pPr marL="0" indent="0">
               <a:buNone/>
-              <a:defRPr sz="2000">
+              <a:defRPr sz="2400">
                 <a:solidFill>
-                  <a:schemeClr val="tx1">
-                    <a:tint val="75000"/>
-                  </a:schemeClr>
+                  <a:schemeClr val="tx2"/>
                 </a:solidFill>
               </a:defRPr>
             </a:lvl1pPr>
@@ -1046,10 +1444,9 @@
           <a:bodyPr/>
           <a:lstStyle/>
           <a:p>
-            <a:fld id="{1D8BD707-D9CF-40AE-B4C6-C98DA3205C09}" type="datetimeFigureOut">
-              <a:rPr lang="en-US" smtClean="0"/>
-              <a:pPr/>
-              <a:t>7/1/2015</a:t>
+            <a:fld id="{6E3B9085-515B-4FC1-ABA3-A09FE0E305AD}" type="datetime1">
+              <a:rPr lang="en-US" smtClean="0"/>
+              <a:t>7/2/2015</a:t>
             </a:fld>
             <a:endParaRPr lang="en-US"/>
           </a:p>
@@ -1098,10 +1495,45 @@
           </a:p>
         </p:txBody>
       </p:sp>
+      <p:cxnSp>
+        <p:nvCxnSpPr>
+          <p:cNvPr id="7" name="Straight Connector 6"/>
+          <p:cNvCxnSpPr/>
+          <p:nvPr/>
+        </p:nvCxnSpPr>
+        <p:spPr>
+          <a:xfrm>
+            <a:off x="731520" y="4599432"/>
+            <a:ext cx="7848600" cy="1588"/>
+          </a:xfrm>
+          <a:prstGeom prst="line">
+            <a:avLst/>
+          </a:prstGeom>
+          <a:ln w="19050">
+            <a:solidFill>
+              <a:schemeClr val="tx2"/>
+            </a:solidFill>
+          </a:ln>
+        </p:spPr>
+        <p:style>
+          <a:lnRef idx="1">
+            <a:schemeClr val="accent1"/>
+          </a:lnRef>
+          <a:fillRef idx="0">
+            <a:schemeClr val="accent1"/>
+          </a:fillRef>
+          <a:effectRef idx="0">
+            <a:schemeClr val="accent1"/>
+          </a:effectRef>
+          <a:fontRef idx="minor">
+            <a:schemeClr val="tx1"/>
+          </a:fontRef>
+        </p:style>
+      </p:cxnSp>
     </p:spTree>
   </p:cSld>
   <p:clrMapOvr>
-    <a:masterClrMapping/>
+    <a:overrideClrMapping bg1="dk1" tx1="lt1" bg2="dk2" tx2="lt2" accent1="accent1" accent2="accent2" accent3="accent3" accent4="accent4" accent5="accent5" accent6="accent6" hlink="hlink" folHlink="folHlink"/>
   </p:clrMapOvr>
 </p:sldLayout>
 </file>
@@ -1158,8 +1590,8 @@
         </p:nvSpPr>
         <p:spPr>
           <a:xfrm>
-            <a:off x="457200" y="1600200"/>
-            <a:ext cx="4038600" cy="4525963"/>
+            <a:off x="457200" y="1673352"/>
+            <a:ext cx="4038600" cy="4718304"/>
           </a:xfrm>
         </p:spPr>
         <p:txBody>
@@ -1227,7 +1659,7 @@
               <a:rPr lang="en-US" smtClean="0"/>
               <a:t>Fifth level</a:t>
             </a:r>
-            <a:endParaRPr lang="en-US"/>
+            <a:endParaRPr lang="en-US" dirty="0"/>
           </a:p>
         </p:txBody>
       </p:sp>
@@ -1243,8 +1675,8 @@
         </p:nvSpPr>
         <p:spPr>
           <a:xfrm>
-            <a:off x="4648200" y="1600200"/>
-            <a:ext cx="4038600" cy="4525963"/>
+            <a:off x="4648200" y="1673352"/>
+            <a:ext cx="4038600" cy="4718304"/>
           </a:xfrm>
         </p:spPr>
         <p:txBody>
@@ -1312,7 +1744,7 @@
               <a:rPr lang="en-US" smtClean="0"/>
               <a:t>Fifth level</a:t>
             </a:r>
-            <a:endParaRPr lang="en-US"/>
+            <a:endParaRPr lang="en-US" dirty="0"/>
           </a:p>
         </p:txBody>
       </p:sp>
@@ -1331,10 +1763,9 @@
           <a:bodyPr/>
           <a:lstStyle/>
           <a:p>
-            <a:fld id="{1D8BD707-D9CF-40AE-B4C6-C98DA3205C09}" type="datetimeFigureOut">
-              <a:rPr lang="en-US" smtClean="0"/>
-              <a:pPr/>
-              <a:t>7/1/2015</a:t>
+            <a:fld id="{BF40C398-C1FA-49F8-B873-3092200C0C26}" type="datetime1">
+              <a:rPr lang="en-US" smtClean="0"/>
+              <a:t>7/2/2015</a:t>
             </a:fld>
             <a:endParaRPr lang="en-US"/>
           </a:p>
@@ -1431,7 +1862,7 @@
               <a:rPr lang="en-US" smtClean="0"/>
               <a:t>Click to edit Master title style</a:t>
             </a:r>
-            <a:endParaRPr lang="en-US"/>
+            <a:endParaRPr lang="en-US" dirty="0"/>
           </a:p>
         </p:txBody>
       </p:sp>
@@ -1447,16 +1878,39 @@
         </p:nvSpPr>
         <p:spPr>
           <a:xfrm>
-            <a:off x="457200" y="1535113"/>
-            <a:ext cx="4040188" cy="639762"/>
+            <a:off x="457200" y="1676400"/>
+            <a:ext cx="3931920" cy="639762"/>
           </a:xfrm>
+          <a:noFill/>
+          <a:ln>
+            <a:noFill/>
+          </a:ln>
+          <a:effectLst/>
         </p:spPr>
-        <p:txBody>
-          <a:bodyPr anchor="b"/>
+        <p:style>
+          <a:lnRef idx="3">
+            <a:schemeClr val="lt1"/>
+          </a:lnRef>
+          <a:fillRef idx="1">
+            <a:schemeClr val="accent2"/>
+          </a:fillRef>
+          <a:effectRef idx="1">
+            <a:schemeClr val="accent2"/>
+          </a:effectRef>
+          <a:fontRef idx="none"/>
+        </p:style>
+        <p:txBody>
+          <a:bodyPr anchor="ctr">
+            <a:normAutofit/>
+          </a:bodyPr>
           <a:lstStyle>
-            <a:lvl1pPr marL="0" indent="0">
-              <a:buNone/>
-              <a:defRPr sz="2400" b="1"/>
+            <a:lvl1pPr marL="0" indent="0" algn="ctr">
+              <a:buNone/>
+              <a:defRPr sz="2000" b="0">
+                <a:solidFill>
+                  <a:schemeClr val="tx2"/>
+                </a:solidFill>
+              </a:defRPr>
             </a:lvl1pPr>
             <a:lvl2pPr marL="457200" indent="0">
               <a:buNone/>
@@ -1512,8 +1966,8 @@
         </p:nvSpPr>
         <p:spPr>
           <a:xfrm>
-            <a:off x="457200" y="2174875"/>
-            <a:ext cx="4040188" cy="3951288"/>
+            <a:off x="457200" y="2438400"/>
+            <a:ext cx="3931920" cy="3951288"/>
           </a:xfrm>
         </p:spPr>
         <p:txBody>
@@ -1581,7 +2035,7 @@
               <a:rPr lang="en-US" smtClean="0"/>
               <a:t>Fifth level</a:t>
             </a:r>
-            <a:endParaRPr lang="en-US"/>
+            <a:endParaRPr lang="en-US" dirty="0"/>
           </a:p>
         </p:txBody>
       </p:sp>
@@ -1597,16 +2051,42 @@
         </p:nvSpPr>
         <p:spPr>
           <a:xfrm>
-            <a:off x="4645025" y="1535113"/>
-            <a:ext cx="4041775" cy="639762"/>
+            <a:off x="4754880" y="1676400"/>
+            <a:ext cx="3931920" cy="639762"/>
           </a:xfrm>
+          <a:noFill/>
+          <a:ln>
+            <a:noFill/>
+          </a:ln>
+          <a:effectLst/>
         </p:spPr>
-        <p:txBody>
-          <a:bodyPr anchor="b"/>
+        <p:style>
+          <a:lnRef idx="3">
+            <a:schemeClr val="lt1"/>
+          </a:lnRef>
+          <a:fillRef idx="1">
+            <a:schemeClr val="accent2"/>
+          </a:fillRef>
+          <a:effectRef idx="1">
+            <a:schemeClr val="accent2"/>
+          </a:effectRef>
+          <a:fontRef idx="none"/>
+        </p:style>
+        <p:txBody>
+          <a:bodyPr anchor="ctr">
+            <a:normAutofit/>
+          </a:bodyPr>
           <a:lstStyle>
-            <a:lvl1pPr marL="0" indent="0">
-              <a:buNone/>
-              <a:defRPr sz="2400" b="1"/>
+            <a:lvl1pPr marL="0" indent="0" algn="ctr">
+              <a:buNone/>
+              <a:defRPr lang="en-US" sz="2000" b="0" kern="1200" dirty="0" smtClean="0">
+                <a:solidFill>
+                  <a:schemeClr val="tx2"/>
+                </a:solidFill>
+                <a:latin typeface="+mn-lt"/>
+                <a:ea typeface="+mn-ea"/>
+                <a:cs typeface="+mn-cs"/>
+              </a:defRPr>
             </a:lvl1pPr>
             <a:lvl2pPr marL="457200" indent="0">
               <a:buNone/>
@@ -1662,8 +2142,8 @@
         </p:nvSpPr>
         <p:spPr>
           <a:xfrm>
-            <a:off x="4645025" y="2174875"/>
-            <a:ext cx="4041775" cy="3951288"/>
+            <a:off x="4754880" y="2438400"/>
+            <a:ext cx="3931920" cy="3951288"/>
           </a:xfrm>
         </p:spPr>
         <p:txBody>
@@ -1731,7 +2211,7 @@
               <a:rPr lang="en-US" smtClean="0"/>
               <a:t>Fifth level</a:t>
             </a:r>
-            <a:endParaRPr lang="en-US"/>
+            <a:endParaRPr lang="en-US" dirty="0"/>
           </a:p>
         </p:txBody>
       </p:sp>
@@ -1750,10 +2230,9 @@
           <a:bodyPr/>
           <a:lstStyle/>
           <a:p>
-            <a:fld id="{1D8BD707-D9CF-40AE-B4C6-C98DA3205C09}" type="datetimeFigureOut">
-              <a:rPr lang="en-US" smtClean="0"/>
-              <a:pPr/>
-              <a:t>7/1/2015</a:t>
+            <a:fld id="{F7B8CAA5-BB50-495A-AD3B-76E5823C1945}" type="datetime1">
+              <a:rPr lang="en-US" smtClean="0"/>
+              <a:t>7/2/2015</a:t>
             </a:fld>
             <a:endParaRPr lang="en-US"/>
           </a:p>
@@ -1802,6 +2281,41 @@
           </a:p>
         </p:txBody>
       </p:sp>
+      <p:cxnSp>
+        <p:nvCxnSpPr>
+          <p:cNvPr id="11" name="Straight Connector 10"/>
+          <p:cNvCxnSpPr/>
+          <p:nvPr/>
+        </p:nvCxnSpPr>
+        <p:spPr>
+          <a:xfrm rot="5400000">
+            <a:off x="2217817" y="4045823"/>
+            <a:ext cx="4709160" cy="794"/>
+          </a:xfrm>
+          <a:prstGeom prst="line">
+            <a:avLst/>
+          </a:prstGeom>
+          <a:ln w="19050">
+            <a:solidFill>
+              <a:schemeClr val="tx2"/>
+            </a:solidFill>
+          </a:ln>
+        </p:spPr>
+        <p:style>
+          <a:lnRef idx="1">
+            <a:schemeClr val="accent1"/>
+          </a:lnRef>
+          <a:fillRef idx="0">
+            <a:schemeClr val="accent1"/>
+          </a:fillRef>
+          <a:effectRef idx="0">
+            <a:schemeClr val="accent1"/>
+          </a:effectRef>
+          <a:fontRef idx="minor">
+            <a:schemeClr val="tx1"/>
+          </a:fontRef>
+        </p:style>
+      </p:cxnSp>
     </p:spTree>
   </p:cSld>
   <p:clrMapOvr>
@@ -1865,10 +2379,9 @@
           <a:bodyPr/>
           <a:lstStyle/>
           <a:p>
-            <a:fld id="{1D8BD707-D9CF-40AE-B4C6-C98DA3205C09}" type="datetimeFigureOut">
-              <a:rPr lang="en-US" smtClean="0"/>
-              <a:pPr/>
-              <a:t>7/1/2015</a:t>
+            <a:fld id="{74E90168-AA24-4C9B-B50D-EF815DE65CA9}" type="datetime1">
+              <a:rPr lang="en-US" smtClean="0"/>
+              <a:t>7/2/2015</a:t>
             </a:fld>
             <a:endParaRPr lang="en-US"/>
           </a:p>
@@ -1957,10 +2470,9 @@
           <a:bodyPr/>
           <a:lstStyle/>
           <a:p>
-            <a:fld id="{1D8BD707-D9CF-40AE-B4C6-C98DA3205C09}" type="datetimeFigureOut">
-              <a:rPr lang="en-US" smtClean="0"/>
-              <a:pPr/>
-              <a:t>7/1/2015</a:t>
+            <a:fld id="{D47BB91A-94DB-4ED1-9070-B413664C201D}" type="datetime1">
+              <a:rPr lang="en-US" smtClean="0"/>
+              <a:t>7/2/2015</a:t>
             </a:fld>
             <a:endParaRPr lang="en-US"/>
           </a:p>
@@ -2046,15 +2558,17 @@
         </p:nvSpPr>
         <p:spPr>
           <a:xfrm>
-            <a:off x="457200" y="273050"/>
-            <a:ext cx="3008313" cy="1162050"/>
+            <a:off x="457200" y="792080"/>
+            <a:ext cx="2139696" cy="1261872"/>
           </a:xfrm>
         </p:spPr>
         <p:txBody>
-          <a:bodyPr anchor="b"/>
+          <a:bodyPr anchor="b">
+            <a:noAutofit/>
+          </a:bodyPr>
           <a:lstStyle>
             <a:lvl1pPr algn="l">
-              <a:defRPr sz="2000" b="1"/>
+              <a:defRPr sz="2400" b="0"/>
             </a:lvl1pPr>
           </a:lstStyle>
           <a:p>
@@ -2062,7 +2576,7 @@
               <a:rPr lang="en-US" smtClean="0"/>
               <a:t>Click to edit Master title style</a:t>
             </a:r>
-            <a:endParaRPr lang="en-US"/>
+            <a:endParaRPr lang="en-US" dirty="0"/>
           </a:p>
         </p:txBody>
       </p:sp>
@@ -2078,8 +2592,8 @@
         </p:nvSpPr>
         <p:spPr>
           <a:xfrm>
-            <a:off x="3575050" y="273050"/>
-            <a:ext cx="5111750" cy="5853113"/>
+            <a:off x="2971800" y="792080"/>
+            <a:ext cx="5715000" cy="5577840"/>
           </a:xfrm>
         </p:spPr>
         <p:txBody>
@@ -2147,7 +2661,7 @@
               <a:rPr lang="en-US" smtClean="0"/>
               <a:t>Fifth level</a:t>
             </a:r>
-            <a:endParaRPr lang="en-US"/>
+            <a:endParaRPr lang="en-US" dirty="0"/>
           </a:p>
         </p:txBody>
       </p:sp>
@@ -2163,8 +2677,8 @@
         </p:nvSpPr>
         <p:spPr>
           <a:xfrm>
-            <a:off x="457200" y="1435100"/>
-            <a:ext cx="3008313" cy="4691063"/>
+            <a:off x="457201" y="2130552"/>
+            <a:ext cx="2139696" cy="4243615"/>
           </a:xfrm>
         </p:spPr>
         <p:txBody>
@@ -2231,10 +2745,9 @@
           <a:bodyPr/>
           <a:lstStyle/>
           <a:p>
-            <a:fld id="{1D8BD707-D9CF-40AE-B4C6-C98DA3205C09}" type="datetimeFigureOut">
-              <a:rPr lang="en-US" smtClean="0"/>
-              <a:pPr/>
-              <a:t>7/1/2015</a:t>
+            <a:fld id="{411BE51A-F31F-463B-BB27-6DD06520E8EF}" type="datetime1">
+              <a:rPr lang="en-US" smtClean="0"/>
+              <a:t>7/2/2015</a:t>
             </a:fld>
             <a:endParaRPr lang="en-US"/>
           </a:p>
@@ -2283,6 +2796,41 @@
           </a:p>
         </p:txBody>
       </p:sp>
+      <p:cxnSp>
+        <p:nvCxnSpPr>
+          <p:cNvPr id="9" name="Straight Connector 8"/>
+          <p:cNvCxnSpPr/>
+          <p:nvPr/>
+        </p:nvCxnSpPr>
+        <p:spPr>
+          <a:xfrm rot="5400000">
+            <a:off x="-13116" y="3580206"/>
+            <a:ext cx="5577840" cy="1588"/>
+          </a:xfrm>
+          <a:prstGeom prst="line">
+            <a:avLst/>
+          </a:prstGeom>
+          <a:ln w="19050">
+            <a:solidFill>
+              <a:schemeClr val="tx2"/>
+            </a:solidFill>
+          </a:ln>
+        </p:spPr>
+        <p:style>
+          <a:lnRef idx="1">
+            <a:schemeClr val="accent1"/>
+          </a:lnRef>
+          <a:fillRef idx="0">
+            <a:schemeClr val="accent1"/>
+          </a:fillRef>
+          <a:effectRef idx="0">
+            <a:schemeClr val="accent1"/>
+          </a:effectRef>
+          <a:fontRef idx="minor">
+            <a:schemeClr val="tx1"/>
+          </a:fontRef>
+        </p:style>
+      </p:cxnSp>
     </p:spTree>
   </p:cSld>
   <p:clrMapOvr>
@@ -2320,15 +2868,17 @@
         </p:nvSpPr>
         <p:spPr>
           <a:xfrm>
-            <a:off x="1792288" y="4800600"/>
-            <a:ext cx="5486400" cy="566738"/>
+            <a:off x="457200" y="792480"/>
+            <a:ext cx="2142680" cy="1264920"/>
           </a:xfrm>
         </p:spPr>
         <p:txBody>
-          <a:bodyPr anchor="b"/>
+          <a:bodyPr anchor="b">
+            <a:normAutofit/>
+          </a:bodyPr>
           <a:lstStyle>
             <a:lvl1pPr algn="l">
-              <a:defRPr sz="2000" b="1"/>
+              <a:defRPr sz="2400" b="0"/>
             </a:lvl1pPr>
           </a:lstStyle>
           <a:p>
@@ -2336,7 +2886,7 @@
               <a:rPr lang="en-US" smtClean="0"/>
               <a:t>Click to edit Master title style</a:t>
             </a:r>
-            <a:endParaRPr lang="en-US"/>
+            <a:endParaRPr lang="en-US" dirty="0"/>
           </a:p>
         </p:txBody>
       </p:sp>
@@ -2352,9 +2902,25 @@
         </p:nvSpPr>
         <p:spPr>
           <a:xfrm>
-            <a:off x="1792288" y="612775"/>
-            <a:ext cx="5486400" cy="4114800"/>
+            <a:off x="2858610" y="838201"/>
+            <a:ext cx="5904390" cy="5500456"/>
           </a:xfrm>
+          <a:solidFill>
+            <a:schemeClr val="bg2"/>
+          </a:solidFill>
+          <a:ln w="76200">
+            <a:solidFill>
+              <a:srgbClr val="FFFFFF"/>
+            </a:solidFill>
+            <a:miter lim="800000"/>
+          </a:ln>
+          <a:effectLst>
+            <a:outerShdw blurRad="50800" dist="12700" dir="5400000" algn="t" rotWithShape="0">
+              <a:prstClr val="black">
+                <a:alpha val="59000"/>
+              </a:prstClr>
+            </a:outerShdw>
+          </a:effectLst>
         </p:spPr>
         <p:txBody>
           <a:bodyPr/>
@@ -2397,7 +2963,11 @@
             </a:lvl9pPr>
           </a:lstStyle>
           <a:p>
-            <a:endParaRPr lang="en-US"/>
+            <a:r>
+              <a:rPr lang="en-US" smtClean="0"/>
+              <a:t>Click icon to add picture</a:t>
+            </a:r>
+            <a:endParaRPr lang="en-US" dirty="0"/>
           </a:p>
         </p:txBody>
       </p:sp>
@@ -2413,8 +2983,8 @@
         </p:nvSpPr>
         <p:spPr>
           <a:xfrm>
-            <a:off x="1792288" y="5367338"/>
-            <a:ext cx="5486400" cy="804862"/>
+            <a:off x="457200" y="2133600"/>
+            <a:ext cx="2139696" cy="4242816"/>
           </a:xfrm>
         </p:spPr>
         <p:txBody>
@@ -2481,10 +3051,9 @@
           <a:bodyPr/>
           <a:lstStyle/>
           <a:p>
-            <a:fld id="{1D8BD707-D9CF-40AE-B4C6-C98DA3205C09}" type="datetimeFigureOut">
-              <a:rPr lang="en-US" smtClean="0"/>
-              <a:pPr/>
-              <a:t>7/1/2015</a:t>
+            <a:fld id="{CB0FF875-10BC-4461-B916-FC534638E489}" type="datetime1">
+              <a:rPr lang="en-US" smtClean="0"/>
+              <a:t>7/2/2015</a:t>
             </a:fld>
             <a:endParaRPr lang="en-US"/>
           </a:p>
@@ -2565,18 +3134,64 @@
       </p:grpSpPr>
       <p:sp>
         <p:nvSpPr>
-          <p:cNvPr id="2" name="Title Placeholder 1"/>
-          <p:cNvSpPr>
-            <a:spLocks noGrp="1"/>
-          </p:cNvSpPr>
-          <p:nvPr>
-            <p:ph type="title"/>
-          </p:nvPr>
+          <p:cNvPr id="10" name="Rectangle 9"/>
+          <p:cNvSpPr/>
+          <p:nvPr/>
         </p:nvSpPr>
         <p:spPr>
           <a:xfrm>
-            <a:off x="457200" y="274638"/>
-            <a:ext cx="8229600" cy="1143000"/>
+            <a:off x="0" y="220786"/>
+            <a:ext cx="9144000" cy="228600"/>
+          </a:xfrm>
+          <a:prstGeom prst="rect">
+            <a:avLst/>
+          </a:prstGeom>
+          <a:solidFill>
+            <a:srgbClr val="FFFFFF"/>
+          </a:solidFill>
+          <a:ln>
+            <a:noFill/>
+          </a:ln>
+        </p:spPr>
+        <p:style>
+          <a:lnRef idx="2">
+            <a:schemeClr val="accent1">
+              <a:shade val="50000"/>
+            </a:schemeClr>
+          </a:lnRef>
+          <a:fillRef idx="1">
+            <a:schemeClr val="accent1"/>
+          </a:fillRef>
+          <a:effectRef idx="0">
+            <a:schemeClr val="accent1"/>
+          </a:effectRef>
+          <a:fontRef idx="minor">
+            <a:schemeClr val="lt1"/>
+          </a:fontRef>
+        </p:style>
+        <p:txBody>
+          <a:bodyPr rtlCol="0" anchor="ctr"/>
+          <a:lstStyle/>
+          <a:p>
+            <a:pPr algn="ctr"/>
+            <a:endParaRPr lang="en-US"/>
+          </a:p>
+        </p:txBody>
+      </p:sp>
+      <p:sp>
+        <p:nvSpPr>
+          <p:cNvPr id="2" name="Title Placeholder 1"/>
+          <p:cNvSpPr>
+            <a:spLocks noGrp="1"/>
+          </p:cNvSpPr>
+          <p:nvPr>
+            <p:ph type="title"/>
+          </p:nvPr>
+        </p:nvSpPr>
+        <p:spPr>
+          <a:xfrm>
+            <a:off x="457200" y="533400"/>
+            <a:ext cx="8229600" cy="990600"/>
           </a:xfrm>
           <a:prstGeom prst="rect">
             <a:avLst/>
@@ -2592,7 +3207,7 @@
               <a:rPr lang="en-US" smtClean="0"/>
               <a:t>Click to edit Master title style</a:t>
             </a:r>
-            <a:endParaRPr lang="en-US"/>
+            <a:endParaRPr lang="en-US" dirty="0"/>
           </a:p>
         </p:txBody>
       </p:sp>
@@ -2609,7 +3224,7 @@
         <p:spPr>
           <a:xfrm>
             <a:off x="457200" y="1600200"/>
-            <a:ext cx="8229600" cy="4525963"/>
+            <a:ext cx="8229600" cy="4876800"/>
           </a:xfrm>
           <a:prstGeom prst="rect">
             <a:avLst/>
@@ -2654,24 +3269,70 @@
               <a:rPr lang="en-US" smtClean="0"/>
               <a:t>Fifth level</a:t>
             </a:r>
-            <a:endParaRPr lang="en-US"/>
-          </a:p>
-        </p:txBody>
-      </p:sp>
-      <p:sp>
-        <p:nvSpPr>
-          <p:cNvPr id="4" name="Date Placeholder 3"/>
-          <p:cNvSpPr>
-            <a:spLocks noGrp="1"/>
-          </p:cNvSpPr>
-          <p:nvPr>
-            <p:ph type="dt" sz="half" idx="2"/>
-          </p:nvPr>
+            <a:endParaRPr lang="en-US" dirty="0"/>
+          </a:p>
+        </p:txBody>
+      </p:sp>
+      <p:sp>
+        <p:nvSpPr>
+          <p:cNvPr id="7" name="Rectangle 6"/>
+          <p:cNvSpPr/>
+          <p:nvPr/>
         </p:nvSpPr>
         <p:spPr>
           <a:xfrm>
-            <a:off x="457200" y="6356350"/>
-            <a:ext cx="2133600" cy="365125"/>
+            <a:off x="0" y="0"/>
+            <a:ext cx="9144000" cy="365760"/>
+          </a:xfrm>
+          <a:prstGeom prst="rect">
+            <a:avLst/>
+          </a:prstGeom>
+          <a:solidFill>
+            <a:schemeClr val="accent1"/>
+          </a:solidFill>
+          <a:ln>
+            <a:noFill/>
+          </a:ln>
+        </p:spPr>
+        <p:style>
+          <a:lnRef idx="2">
+            <a:schemeClr val="accent1">
+              <a:shade val="50000"/>
+            </a:schemeClr>
+          </a:lnRef>
+          <a:fillRef idx="1">
+            <a:schemeClr val="accent1"/>
+          </a:fillRef>
+          <a:effectRef idx="0">
+            <a:schemeClr val="accent1"/>
+          </a:effectRef>
+          <a:fontRef idx="minor">
+            <a:schemeClr val="lt1"/>
+          </a:fontRef>
+        </p:style>
+        <p:txBody>
+          <a:bodyPr rtlCol="0" anchor="ctr"/>
+          <a:lstStyle/>
+          <a:p>
+            <a:pPr algn="ctr"/>
+            <a:endParaRPr lang="en-US"/>
+          </a:p>
+        </p:txBody>
+      </p:sp>
+      <p:sp>
+        <p:nvSpPr>
+          <p:cNvPr id="4" name="Date Placeholder 3"/>
+          <p:cNvSpPr>
+            <a:spLocks noGrp="1"/>
+          </p:cNvSpPr>
+          <p:nvPr>
+            <p:ph type="dt" sz="half" idx="2"/>
+          </p:nvPr>
+        </p:nvSpPr>
+        <p:spPr>
+          <a:xfrm>
+            <a:off x="457200" y="18288"/>
+            <a:ext cx="2895600" cy="329184"/>
           </a:xfrm>
           <a:prstGeom prst="rect">
             <a:avLst/>
@@ -2683,18 +3344,15 @@
             <a:lvl1pPr algn="l">
               <a:defRPr sz="1200">
                 <a:solidFill>
-                  <a:schemeClr val="tx1">
-                    <a:tint val="75000"/>
-                  </a:schemeClr>
+                  <a:srgbClr val="FFFFFF"/>
                 </a:solidFill>
               </a:defRPr>
             </a:lvl1pPr>
           </a:lstStyle>
           <a:p>
-            <a:fld id="{1D8BD707-D9CF-40AE-B4C6-C98DA3205C09}" type="datetimeFigureOut">
-              <a:rPr lang="en-US" smtClean="0"/>
-              <a:pPr/>
-              <a:t>7/1/2015</a:t>
+            <a:fld id="{28CAAA8D-113B-43D6-82BA-661B2BE68704}" type="datetime1">
+              <a:rPr lang="en-US" smtClean="0"/>
+              <a:t>7/2/2015</a:t>
             </a:fld>
             <a:endParaRPr lang="en-US"/>
           </a:p>
@@ -2712,8 +3370,8 @@
         </p:nvSpPr>
         <p:spPr>
           <a:xfrm>
-            <a:off x="3124200" y="6356350"/>
-            <a:ext cx="2895600" cy="365125"/>
+            <a:off x="3429000" y="18288"/>
+            <a:ext cx="4114800" cy="329184"/>
           </a:xfrm>
           <a:prstGeom prst="rect">
             <a:avLst/>
@@ -2725,9 +3383,7 @@
             <a:lvl1pPr algn="ctr">
               <a:defRPr sz="1200">
                 <a:solidFill>
-                  <a:schemeClr val="tx1">
-                    <a:tint val="75000"/>
-                  </a:schemeClr>
+                  <a:srgbClr val="FFFFFF"/>
                 </a:solidFill>
               </a:defRPr>
             </a:lvl1pPr>
@@ -2749,8 +3405,8 @@
         </p:nvSpPr>
         <p:spPr>
           <a:xfrm>
-            <a:off x="6553200" y="6356350"/>
-            <a:ext cx="2133600" cy="365125"/>
+            <a:off x="7620000" y="18288"/>
+            <a:ext cx="1066800" cy="329184"/>
           </a:xfrm>
           <a:prstGeom prst="rect">
             <a:avLst/>
@@ -2759,12 +3415,10 @@
         <p:txBody>
           <a:bodyPr vert="horz" lIns="91440" tIns="45720" rIns="91440" bIns="45720" rtlCol="0" anchor="ctr"/>
           <a:lstStyle>
-            <a:lvl1pPr algn="r">
-              <a:defRPr sz="1200">
+            <a:lvl1pPr algn="l">
+              <a:defRPr sz="1400" b="1">
                 <a:solidFill>
-                  <a:schemeClr val="tx1">
-                    <a:tint val="75000"/>
-                  </a:schemeClr>
+                  <a:srgbClr val="FFFFFF"/>
                 </a:solidFill>
               </a:defRPr>
             </a:lvl1pPr>
@@ -2783,28 +3437,29 @@
   </p:cSld>
   <p:clrMap bg1="lt1" tx1="dk1" bg2="lt2" tx2="dk2" accent1="accent1" accent2="accent2" accent3="accent3" accent4="accent4" accent5="accent5" accent6="accent6" hlink="hlink" folHlink="folHlink"/>
   <p:sldLayoutIdLst>
-    <p:sldLayoutId id="2147483649" r:id="rId1"/>
-    <p:sldLayoutId id="2147483650" r:id="rId2"/>
-    <p:sldLayoutId id="2147483651" r:id="rId3"/>
-    <p:sldLayoutId id="2147483652" r:id="rId4"/>
-    <p:sldLayoutId id="2147483653" r:id="rId5"/>
-    <p:sldLayoutId id="2147483654" r:id="rId6"/>
-    <p:sldLayoutId id="2147483655" r:id="rId7"/>
-    <p:sldLayoutId id="2147483656" r:id="rId8"/>
-    <p:sldLayoutId id="2147483657" r:id="rId9"/>
-    <p:sldLayoutId id="2147483658" r:id="rId10"/>
-    <p:sldLayoutId id="2147483659" r:id="rId11"/>
+    <p:sldLayoutId id="2147483661" r:id="rId1"/>
+    <p:sldLayoutId id="2147483662" r:id="rId2"/>
+    <p:sldLayoutId id="2147483663" r:id="rId3"/>
+    <p:sldLayoutId id="2147483664" r:id="rId4"/>
+    <p:sldLayoutId id="2147483665" r:id="rId5"/>
+    <p:sldLayoutId id="2147483666" r:id="rId6"/>
+    <p:sldLayoutId id="2147483667" r:id="rId7"/>
+    <p:sldLayoutId id="2147483668" r:id="rId8"/>
+    <p:sldLayoutId id="2147483669" r:id="rId9"/>
+    <p:sldLayoutId id="2147483670" r:id="rId10"/>
+    <p:sldLayoutId id="2147483671" r:id="rId11"/>
   </p:sldLayoutIdLst>
+  <p:hf hdr="0" ftr="0" dt="0"/>
   <p:txStyles>
     <p:titleStyle>
-      <a:lvl1pPr algn="ctr" defTabSz="914400" rtl="0" eaLnBrk="1" latinLnBrk="0" hangingPunct="1">
+      <a:lvl1pPr algn="l" defTabSz="914400" rtl="0" eaLnBrk="1" latinLnBrk="0" hangingPunct="1">
         <a:spcBef>
           <a:spcPct val="0"/>
         </a:spcBef>
         <a:buNone/>
-        <a:defRPr sz="4400" kern="1200">
+        <a:defRPr sz="4000" kern="1200" spc="-100" baseline="0">
           <a:solidFill>
-            <a:schemeClr val="tx1"/>
+            <a:schemeClr val="tx2"/>
           </a:solidFill>
           <a:latin typeface="+mj-lt"/>
           <a:ea typeface="+mj-ea"/>
@@ -2813,40 +3468,14 @@
       </a:lvl1pPr>
     </p:titleStyle>
     <p:bodyStyle>
-      <a:lvl1pPr marL="342900" indent="-342900" algn="l" defTabSz="914400" rtl="0" eaLnBrk="1" latinLnBrk="0" hangingPunct="1">
+      <a:lvl1pPr marL="182880" indent="-182880" algn="l" defTabSz="914400" rtl="0" eaLnBrk="1" latinLnBrk="0" hangingPunct="1">
         <a:spcBef>
           <a:spcPct val="20000"/>
         </a:spcBef>
-        <a:buFont typeface="Arial" pitchFamily="34" charset="0"/>
-        <a:buChar char="•"/>
-        <a:defRPr sz="3200" kern="1200">
-          <a:solidFill>
-            <a:schemeClr val="tx1"/>
-          </a:solidFill>
-          <a:latin typeface="+mn-lt"/>
-          <a:ea typeface="+mn-ea"/>
-          <a:cs typeface="+mn-cs"/>
-        </a:defRPr>
-      </a:lvl1pPr>
-      <a:lvl2pPr marL="742950" indent="-285750" algn="l" defTabSz="914400" rtl="0" eaLnBrk="1" latinLnBrk="0" hangingPunct="1">
-        <a:spcBef>
-          <a:spcPct val="20000"/>
-        </a:spcBef>
-        <a:buFont typeface="Arial" pitchFamily="34" charset="0"/>
-        <a:buChar char="–"/>
-        <a:defRPr sz="2800" kern="1200">
-          <a:solidFill>
-            <a:schemeClr val="tx1"/>
-          </a:solidFill>
-          <a:latin typeface="+mn-lt"/>
-          <a:ea typeface="+mn-ea"/>
-          <a:cs typeface="+mn-cs"/>
-        </a:defRPr>
-      </a:lvl2pPr>
-      <a:lvl3pPr marL="1143000" indent="-228600" algn="l" defTabSz="914400" rtl="0" eaLnBrk="1" latinLnBrk="0" hangingPunct="1">
-        <a:spcBef>
-          <a:spcPct val="20000"/>
-        </a:spcBef>
+        <a:buClr>
+          <a:schemeClr val="accent1"/>
+        </a:buClr>
+        <a:buSzPct val="85000"/>
         <a:buFont typeface="Arial" pitchFamily="34" charset="0"/>
         <a:buChar char="•"/>
         <a:defRPr sz="2400" kern="1200">
@@ -2857,41 +3486,15 @@
           <a:ea typeface="+mn-ea"/>
           <a:cs typeface="+mn-cs"/>
         </a:defRPr>
-      </a:lvl3pPr>
-      <a:lvl4pPr marL="1600200" indent="-228600" algn="l" defTabSz="914400" rtl="0" eaLnBrk="1" latinLnBrk="0" hangingPunct="1">
+      </a:lvl1pPr>
+      <a:lvl2pPr marL="457200" indent="-182880" algn="l" defTabSz="914400" rtl="0" eaLnBrk="1" latinLnBrk="0" hangingPunct="1">
         <a:spcBef>
           <a:spcPct val="20000"/>
         </a:spcBef>
-        <a:buFont typeface="Arial" pitchFamily="34" charset="0"/>
-        <a:buChar char="–"/>
-        <a:defRPr sz="2000" kern="1200">
-          <a:solidFill>
-            <a:schemeClr val="tx1"/>
-          </a:solidFill>
-          <a:latin typeface="+mn-lt"/>
-          <a:ea typeface="+mn-ea"/>
-          <a:cs typeface="+mn-cs"/>
-        </a:defRPr>
-      </a:lvl4pPr>
-      <a:lvl5pPr marL="2057400" indent="-228600" algn="l" defTabSz="914400" rtl="0" eaLnBrk="1" latinLnBrk="0" hangingPunct="1">
-        <a:spcBef>
-          <a:spcPct val="20000"/>
-        </a:spcBef>
-        <a:buFont typeface="Arial" pitchFamily="34" charset="0"/>
-        <a:buChar char="»"/>
-        <a:defRPr sz="2000" kern="1200">
-          <a:solidFill>
-            <a:schemeClr val="tx1"/>
-          </a:solidFill>
-          <a:latin typeface="+mn-lt"/>
-          <a:ea typeface="+mn-ea"/>
-          <a:cs typeface="+mn-cs"/>
-        </a:defRPr>
-      </a:lvl5pPr>
-      <a:lvl6pPr marL="2514600" indent="-228600" algn="l" defTabSz="914400" rtl="0" eaLnBrk="1" latinLnBrk="0" hangingPunct="1">
-        <a:spcBef>
-          <a:spcPct val="20000"/>
-        </a:spcBef>
+        <a:buClr>
+          <a:schemeClr val="accent1"/>
+        </a:buClr>
+        <a:buSzPct val="85000"/>
         <a:buFont typeface="Arial" pitchFamily="34" charset="0"/>
         <a:buChar char="•"/>
         <a:defRPr sz="2000" kern="1200">
@@ -2902,14 +3505,91 @@
           <a:ea typeface="+mn-ea"/>
           <a:cs typeface="+mn-cs"/>
         </a:defRPr>
-      </a:lvl6pPr>
-      <a:lvl7pPr marL="2971800" indent="-228600" algn="l" defTabSz="914400" rtl="0" eaLnBrk="1" latinLnBrk="0" hangingPunct="1">
+      </a:lvl2pPr>
+      <a:lvl3pPr marL="731520" indent="-182880" algn="l" defTabSz="914400" rtl="0" eaLnBrk="1" latinLnBrk="0" hangingPunct="1">
         <a:spcBef>
           <a:spcPct val="20000"/>
         </a:spcBef>
+        <a:buClr>
+          <a:schemeClr val="accent1"/>
+        </a:buClr>
+        <a:buSzPct val="90000"/>
         <a:buFont typeface="Arial" pitchFamily="34" charset="0"/>
         <a:buChar char="•"/>
-        <a:defRPr sz="2000" kern="1200">
+        <a:defRPr sz="1800" kern="1200">
+          <a:solidFill>
+            <a:schemeClr val="tx1"/>
+          </a:solidFill>
+          <a:latin typeface="+mn-lt"/>
+          <a:ea typeface="+mn-ea"/>
+          <a:cs typeface="+mn-cs"/>
+        </a:defRPr>
+      </a:lvl3pPr>
+      <a:lvl4pPr marL="1005840" indent="-182880" algn="l" defTabSz="914400" rtl="0" eaLnBrk="1" latinLnBrk="0" hangingPunct="1">
+        <a:spcBef>
+          <a:spcPct val="20000"/>
+        </a:spcBef>
+        <a:buClr>
+          <a:schemeClr val="accent1"/>
+        </a:buClr>
+        <a:buFont typeface="Arial" pitchFamily="34" charset="0"/>
+        <a:buChar char="•"/>
+        <a:defRPr sz="1600" kern="1200">
+          <a:solidFill>
+            <a:schemeClr val="tx1"/>
+          </a:solidFill>
+          <a:latin typeface="+mn-lt"/>
+          <a:ea typeface="+mn-ea"/>
+          <a:cs typeface="+mn-cs"/>
+        </a:defRPr>
+      </a:lvl4pPr>
+      <a:lvl5pPr marL="1188720" indent="-137160" algn="l" defTabSz="914400" rtl="0" eaLnBrk="1" latinLnBrk="0" hangingPunct="1">
+        <a:spcBef>
+          <a:spcPct val="20000"/>
+        </a:spcBef>
+        <a:buClr>
+          <a:schemeClr val="accent1"/>
+        </a:buClr>
+        <a:buSzPct val="100000"/>
+        <a:buFont typeface="Arial" pitchFamily="34" charset="0"/>
+        <a:buChar char="•"/>
+        <a:defRPr sz="1400" kern="1200" baseline="0">
+          <a:solidFill>
+            <a:schemeClr val="tx1"/>
+          </a:solidFill>
+          <a:latin typeface="+mn-lt"/>
+          <a:ea typeface="+mn-ea"/>
+          <a:cs typeface="+mn-cs"/>
+        </a:defRPr>
+      </a:lvl5pPr>
+      <a:lvl6pPr marL="1371600" indent="-182880" algn="l" defTabSz="914400" rtl="0" eaLnBrk="1" latinLnBrk="0" hangingPunct="1">
+        <a:spcBef>
+          <a:spcPct val="20000"/>
+        </a:spcBef>
+        <a:buClr>
+          <a:schemeClr val="accent1"/>
+        </a:buClr>
+        <a:buFont typeface="Arial" pitchFamily="34" charset="0"/>
+        <a:buChar char="•"/>
+        <a:defRPr sz="1300" kern="1200">
+          <a:solidFill>
+            <a:schemeClr val="tx1"/>
+          </a:solidFill>
+          <a:latin typeface="+mn-lt"/>
+          <a:ea typeface="+mn-ea"/>
+          <a:cs typeface="+mn-cs"/>
+        </a:defRPr>
+      </a:lvl6pPr>
+      <a:lvl7pPr marL="1554480" indent="-182880" algn="l" defTabSz="914400" rtl="0" eaLnBrk="1" latinLnBrk="0" hangingPunct="1">
+        <a:spcBef>
+          <a:spcPct val="20000"/>
+        </a:spcBef>
+        <a:buClr>
+          <a:schemeClr val="accent1"/>
+        </a:buClr>
+        <a:buFont typeface="Arial" pitchFamily="34" charset="0"/>
+        <a:buChar char="•"/>
+        <a:defRPr sz="1300" kern="1200">
           <a:solidFill>
             <a:schemeClr val="tx1"/>
           </a:solidFill>
@@ -2918,13 +3598,16 @@
           <a:cs typeface="+mn-cs"/>
         </a:defRPr>
       </a:lvl7pPr>
-      <a:lvl8pPr marL="3429000" indent="-228600" algn="l" defTabSz="914400" rtl="0" eaLnBrk="1" latinLnBrk="0" hangingPunct="1">
+      <a:lvl8pPr marL="1737360" indent="-182880" algn="l" defTabSz="914400" rtl="0" eaLnBrk="1" latinLnBrk="0" hangingPunct="1">
         <a:spcBef>
           <a:spcPct val="20000"/>
         </a:spcBef>
+        <a:buClr>
+          <a:schemeClr val="accent1"/>
+        </a:buClr>
         <a:buFont typeface="Arial" pitchFamily="34" charset="0"/>
         <a:buChar char="•"/>
-        <a:defRPr sz="2000" kern="1200">
+        <a:defRPr sz="1300" kern="1200">
           <a:solidFill>
             <a:schemeClr val="tx1"/>
           </a:solidFill>
@@ -2933,13 +3616,16 @@
           <a:cs typeface="+mn-cs"/>
         </a:defRPr>
       </a:lvl8pPr>
-      <a:lvl9pPr marL="3886200" indent="-228600" algn="l" defTabSz="914400" rtl="0" eaLnBrk="1" latinLnBrk="0" hangingPunct="1">
+      <a:lvl9pPr marL="1920240" indent="-182880" algn="l" defTabSz="914400" rtl="0" eaLnBrk="1" latinLnBrk="0" hangingPunct="1">
         <a:spcBef>
           <a:spcPct val="20000"/>
         </a:spcBef>
+        <a:buClr>
+          <a:schemeClr val="accent1"/>
+        </a:buClr>
         <a:buFont typeface="Arial" pitchFamily="34" charset="0"/>
         <a:buChar char="•"/>
-        <a:defRPr sz="2000" kern="1200">
+        <a:defRPr sz="1300" kern="1200">
           <a:solidFill>
             <a:schemeClr val="tx1"/>
           </a:solidFill>
@@ -3116,7 +3802,7 @@
         </p:spPr>
         <p:txBody>
           <a:bodyPr>
-            <a:normAutofit fontScale="62500" lnSpcReduction="20000"/>
+            <a:normAutofit fontScale="70000" lnSpcReduction="20000"/>
           </a:bodyPr>
           <a:lstStyle/>
           <a:p>
@@ -3167,6 +3853,30 @@
               <a:t>Conferențiar Dr. Anca Vitcu </a:t>
             </a:r>
             <a:endParaRPr lang="ro-RO" sz="3800" dirty="0"/>
+          </a:p>
+        </p:txBody>
+      </p:sp>
+      <p:sp>
+        <p:nvSpPr>
+          <p:cNvPr id="4" name="Slide Number Placeholder 3"/>
+          <p:cNvSpPr>
+            <a:spLocks noGrp="1"/>
+          </p:cNvSpPr>
+          <p:nvPr>
+            <p:ph type="sldNum" sz="quarter" idx="12"/>
+          </p:nvPr>
+        </p:nvSpPr>
+        <p:spPr/>
+        <p:txBody>
+          <a:bodyPr/>
+          <a:lstStyle/>
+          <a:p>
+            <a:fld id="{B6F15528-21DE-4FAA-801E-634DDDAF4B2B}" type="slidenum">
+              <a:rPr lang="en-US" smtClean="0"/>
+              <a:pPr/>
+              <a:t>1</a:t>
+            </a:fld>
+            <a:endParaRPr lang="en-US"/>
           </a:p>
         </p:txBody>
       </p:sp>
@@ -3180,6 +3890,21 @@
   <p:clrMapOvr>
     <a:masterClrMapping/>
   </p:clrMapOvr>
+  <mc:AlternateContent xmlns:mc="http://schemas.openxmlformats.org/markup-compatibility/2006">
+    <mc:Choice xmlns:p14="http://schemas.microsoft.com/office/powerpoint/2010/main" Requires="p14">
+      <p:transition p14:dur="0"/>
+    </mc:Choice>
+    <mc:Fallback>
+      <p:transition/>
+    </mc:Fallback>
+  </mc:AlternateContent>
+  <p:timing>
+    <p:tnLst>
+      <p:par>
+        <p:cTn id="1" dur="indefinite" restart="never" nodeType="tmRoot"/>
+      </p:par>
+    </p:tnLst>
+  </p:timing>
 </p:sld>
 </file>
 
@@ -3241,7 +3966,7 @@
         </p:spPr>
         <p:txBody>
           <a:bodyPr>
-            <a:normAutofit lnSpcReduction="10000"/>
+            <a:normAutofit/>
           </a:bodyPr>
           <a:lstStyle/>
           <a:p>
@@ -3307,9 +4032,57 @@
             </a:r>
             <a:r>
               <a:rPr lang="ro-RO" sz="2400" dirty="0" smtClean="0"/>
-              <a:t>Subcapitole: Modelarea personajului, Analiza Textului, 	Găsirea sinonimelor și învățarea automată a cuvintelor</a:t>
+              <a:t>Subcapitole: Modelarea personajului, Analiza </a:t>
+            </a:r>
+            <a:r>
+              <a:rPr lang="ro-RO" sz="2400" dirty="0" smtClean="0"/>
+              <a:t>	Textului</a:t>
+            </a:r>
+            <a:r>
+              <a:rPr lang="ro-RO" sz="2400" dirty="0" smtClean="0"/>
+              <a:t>, </a:t>
+            </a:r>
+            <a:r>
+              <a:rPr lang="ro-RO" sz="2400" dirty="0" smtClean="0"/>
+              <a:t>Găsirea </a:t>
+            </a:r>
+            <a:r>
+              <a:rPr lang="ro-RO" sz="2400" dirty="0" smtClean="0"/>
+              <a:t>sinonimelor și învățarea </a:t>
+            </a:r>
+            <a:r>
+              <a:rPr lang="ro-RO" sz="2400" dirty="0" smtClean="0"/>
+              <a:t>automată 	a </a:t>
+            </a:r>
+            <a:r>
+              <a:rPr lang="ro-RO" sz="2400" dirty="0" smtClean="0"/>
+              <a:t>cuvintelor</a:t>
             </a:r>
             <a:endParaRPr lang="ro-RO" sz="2400" dirty="0"/>
+          </a:p>
+        </p:txBody>
+      </p:sp>
+      <p:sp>
+        <p:nvSpPr>
+          <p:cNvPr id="4" name="Slide Number Placeholder 3"/>
+          <p:cNvSpPr>
+            <a:spLocks noGrp="1"/>
+          </p:cNvSpPr>
+          <p:nvPr>
+            <p:ph type="sldNum" sz="quarter" idx="12"/>
+          </p:nvPr>
+        </p:nvSpPr>
+        <p:spPr/>
+        <p:txBody>
+          <a:bodyPr/>
+          <a:lstStyle/>
+          <a:p>
+            <a:fld id="{B6F15528-21DE-4FAA-801E-634DDDAF4B2B}" type="slidenum">
+              <a:rPr lang="en-US" smtClean="0"/>
+              <a:pPr/>
+              <a:t>2</a:t>
+            </a:fld>
+            <a:endParaRPr lang="en-US"/>
           </a:p>
         </p:txBody>
       </p:sp>
@@ -3323,6 +4096,13 @@
   <p:clrMapOvr>
     <a:masterClrMapping/>
   </p:clrMapOvr>
+  <p:timing>
+    <p:tnLst>
+      <p:par>
+        <p:cTn id="1" dur="indefinite" restart="never" nodeType="tmRoot"/>
+      </p:par>
+    </p:tnLst>
+  </p:timing>
 </p:sld>
 </file>
 
@@ -3422,6 +4202,30 @@
           </a:p>
         </p:txBody>
       </p:sp>
+      <p:sp>
+        <p:nvSpPr>
+          <p:cNvPr id="4" name="Slide Number Placeholder 3"/>
+          <p:cNvSpPr>
+            <a:spLocks noGrp="1"/>
+          </p:cNvSpPr>
+          <p:nvPr>
+            <p:ph type="sldNum" sz="quarter" idx="12"/>
+          </p:nvPr>
+        </p:nvSpPr>
+        <p:spPr/>
+        <p:txBody>
+          <a:bodyPr/>
+          <a:lstStyle/>
+          <a:p>
+            <a:fld id="{B6F15528-21DE-4FAA-801E-634DDDAF4B2B}" type="slidenum">
+              <a:rPr lang="en-US" smtClean="0"/>
+              <a:pPr/>
+              <a:t>3</a:t>
+            </a:fld>
+            <a:endParaRPr lang="en-US"/>
+          </a:p>
+        </p:txBody>
+      </p:sp>
     </p:spTree>
     <p:extLst>
       <p:ext uri="{BB962C8B-B14F-4D97-AF65-F5344CB8AC3E}">
@@ -3432,6 +4236,13 @@
   <p:clrMapOvr>
     <a:masterClrMapping/>
   </p:clrMapOvr>
+  <p:timing>
+    <p:tnLst>
+      <p:par>
+        <p:cTn id="1" dur="indefinite" restart="never" nodeType="tmRoot"/>
+      </p:par>
+    </p:tnLst>
+  </p:timing>
 </p:sld>
 </file>
 
@@ -3540,6 +4351,30 @@
           </a:p>
         </p:txBody>
       </p:sp>
+      <p:sp>
+        <p:nvSpPr>
+          <p:cNvPr id="4" name="Slide Number Placeholder 3"/>
+          <p:cNvSpPr>
+            <a:spLocks noGrp="1"/>
+          </p:cNvSpPr>
+          <p:nvPr>
+            <p:ph type="sldNum" sz="quarter" idx="12"/>
+          </p:nvPr>
+        </p:nvSpPr>
+        <p:spPr/>
+        <p:txBody>
+          <a:bodyPr/>
+          <a:lstStyle/>
+          <a:p>
+            <a:fld id="{B6F15528-21DE-4FAA-801E-634DDDAF4B2B}" type="slidenum">
+              <a:rPr lang="en-US" smtClean="0"/>
+              <a:pPr/>
+              <a:t>4</a:t>
+            </a:fld>
+            <a:endParaRPr lang="en-US"/>
+          </a:p>
+        </p:txBody>
+      </p:sp>
     </p:spTree>
     <p:extLst>
       <p:ext uri="{BB962C8B-B14F-4D97-AF65-F5344CB8AC3E}">
@@ -3550,6 +4385,13 @@
   <p:clrMapOvr>
     <a:masterClrMapping/>
   </p:clrMapOvr>
+  <p:timing>
+    <p:tnLst>
+      <p:par>
+        <p:cTn id="1" dur="indefinite" restart="never" nodeType="tmRoot"/>
+      </p:par>
+    </p:tnLst>
+  </p:timing>
 </p:sld>
 </file>
 
@@ -3631,6 +4473,30 @@
           </a:p>
         </p:txBody>
       </p:sp>
+      <p:sp>
+        <p:nvSpPr>
+          <p:cNvPr id="4" name="Slide Number Placeholder 3"/>
+          <p:cNvSpPr>
+            <a:spLocks noGrp="1"/>
+          </p:cNvSpPr>
+          <p:nvPr>
+            <p:ph type="sldNum" sz="quarter" idx="12"/>
+          </p:nvPr>
+        </p:nvSpPr>
+        <p:spPr/>
+        <p:txBody>
+          <a:bodyPr/>
+          <a:lstStyle/>
+          <a:p>
+            <a:fld id="{B6F15528-21DE-4FAA-801E-634DDDAF4B2B}" type="slidenum">
+              <a:rPr lang="en-US" smtClean="0"/>
+              <a:pPr/>
+              <a:t>5</a:t>
+            </a:fld>
+            <a:endParaRPr lang="en-US"/>
+          </a:p>
+        </p:txBody>
+      </p:sp>
     </p:spTree>
     <p:extLst>
       <p:ext uri="{BB962C8B-B14F-4D97-AF65-F5344CB8AC3E}">
@@ -3641,6 +4507,13 @@
   <p:clrMapOvr>
     <a:masterClrMapping/>
   </p:clrMapOvr>
+  <p:timing>
+    <p:tnLst>
+      <p:par>
+        <p:cTn id="1" dur="indefinite" restart="never" nodeType="tmRoot"/>
+      </p:par>
+    </p:tnLst>
+  </p:timing>
 </p:sld>
 </file>
 
@@ -3697,7 +4570,7 @@
         <p:spPr/>
         <p:txBody>
           <a:bodyPr>
-            <a:normAutofit fontScale="92500" lnSpcReduction="10000"/>
+            <a:normAutofit/>
           </a:bodyPr>
           <a:lstStyle/>
           <a:p>
@@ -3729,6 +4602,30 @@
               <a:t>De asemenea, acesta respectă arhitectura MVC, fiind astfel ușor de modificat și integrat în alte proiecte.</a:t>
             </a:r>
             <a:endParaRPr lang="ro-RO" dirty="0"/>
+          </a:p>
+        </p:txBody>
+      </p:sp>
+      <p:sp>
+        <p:nvSpPr>
+          <p:cNvPr id="4" name="Slide Number Placeholder 3"/>
+          <p:cNvSpPr>
+            <a:spLocks noGrp="1"/>
+          </p:cNvSpPr>
+          <p:nvPr>
+            <p:ph type="sldNum" sz="quarter" idx="12"/>
+          </p:nvPr>
+        </p:nvSpPr>
+        <p:spPr/>
+        <p:txBody>
+          <a:bodyPr/>
+          <a:lstStyle/>
+          <a:p>
+            <a:fld id="{B6F15528-21DE-4FAA-801E-634DDDAF4B2B}" type="slidenum">
+              <a:rPr lang="en-US" smtClean="0"/>
+              <a:pPr/>
+              <a:t>6</a:t>
+            </a:fld>
+            <a:endParaRPr lang="en-US"/>
           </a:p>
         </p:txBody>
       </p:sp>
@@ -3742,6 +4639,13 @@
   <p:clrMapOvr>
     <a:masterClrMapping/>
   </p:clrMapOvr>
+  <p:timing>
+    <p:tnLst>
+      <p:par>
+        <p:cTn id="1" dur="indefinite" restart="never" nodeType="tmRoot"/>
+      </p:par>
+    </p:tnLst>
+  </p:timing>
 </p:sld>
 </file>
 
@@ -3843,6 +4747,30 @@
           </a:p>
         </p:txBody>
       </p:sp>
+      <p:sp>
+        <p:nvSpPr>
+          <p:cNvPr id="4" name="Slide Number Placeholder 3"/>
+          <p:cNvSpPr>
+            <a:spLocks noGrp="1"/>
+          </p:cNvSpPr>
+          <p:nvPr>
+            <p:ph type="sldNum" sz="quarter" idx="12"/>
+          </p:nvPr>
+        </p:nvSpPr>
+        <p:spPr/>
+        <p:txBody>
+          <a:bodyPr/>
+          <a:lstStyle/>
+          <a:p>
+            <a:fld id="{B6F15528-21DE-4FAA-801E-634DDDAF4B2B}" type="slidenum">
+              <a:rPr lang="en-US" smtClean="0"/>
+              <a:pPr/>
+              <a:t>7</a:t>
+            </a:fld>
+            <a:endParaRPr lang="en-US"/>
+          </a:p>
+        </p:txBody>
+      </p:sp>
     </p:spTree>
     <p:extLst>
       <p:ext uri="{BB962C8B-B14F-4D97-AF65-F5344CB8AC3E}">
@@ -3853,10 +4781,313 @@
   <p:clrMapOvr>
     <a:masterClrMapping/>
   </p:clrMapOvr>
+  <mc:AlternateContent xmlns:mc="http://schemas.openxmlformats.org/markup-compatibility/2006">
+    <mc:Choice xmlns:p14="http://schemas.microsoft.com/office/powerpoint/2010/main" Requires="p14">
+      <p:transition p14:dur="0"/>
+    </mc:Choice>
+    <mc:Fallback>
+      <p:transition/>
+    </mc:Fallback>
+  </mc:AlternateContent>
+  <p:timing>
+    <p:tnLst>
+      <p:par>
+        <p:cTn id="1" dur="indefinite" restart="never" nodeType="tmRoot"/>
+      </p:par>
+    </p:tnLst>
+  </p:timing>
 </p:sld>
 </file>
 
 <file path=ppt/theme/theme1.xml><?xml version="1.0" encoding="utf-8"?>
+<a:theme xmlns:a="http://schemas.openxmlformats.org/drawingml/2006/main" name="Clarity">
+  <a:themeElements>
+    <a:clrScheme name="Clarity">
+      <a:dk1>
+        <a:srgbClr val="292934"/>
+      </a:dk1>
+      <a:lt1>
+        <a:srgbClr val="FFFFFF"/>
+      </a:lt1>
+      <a:dk2>
+        <a:srgbClr val="D2533C"/>
+      </a:dk2>
+      <a:lt2>
+        <a:srgbClr val="F3F2DC"/>
+      </a:lt2>
+      <a:accent1>
+        <a:srgbClr val="93A299"/>
+      </a:accent1>
+      <a:accent2>
+        <a:srgbClr val="AD8F67"/>
+      </a:accent2>
+      <a:accent3>
+        <a:srgbClr val="726056"/>
+      </a:accent3>
+      <a:accent4>
+        <a:srgbClr val="4C5A6A"/>
+      </a:accent4>
+      <a:accent5>
+        <a:srgbClr val="808DA0"/>
+      </a:accent5>
+      <a:accent6>
+        <a:srgbClr val="79463D"/>
+      </a:accent6>
+      <a:hlink>
+        <a:srgbClr val="0000FF"/>
+      </a:hlink>
+      <a:folHlink>
+        <a:srgbClr val="800080"/>
+      </a:folHlink>
+    </a:clrScheme>
+    <a:fontScheme name="Office Classic 2">
+      <a:majorFont>
+        <a:latin typeface="Arial"/>
+        <a:ea typeface=""/>
+        <a:cs typeface=""/>
+        <a:font script="Jpan" typeface="ＭＳ Ｐゴシック"/>
+        <a:font script="Hang" typeface="돋움"/>
+        <a:font script="Hans" typeface="方正舒体"/>
+        <a:font script="Hant" typeface="微軟正黑體"/>
+        <a:font script="Arab" typeface="Arial"/>
+        <a:font script="Hebr" typeface="Arial"/>
+        <a:font script="Thai" typeface="Cordia New"/>
+        <a:font script="Ethi" typeface="Nyala"/>
+        <a:font script="Beng" typeface="Vrinda"/>
+        <a:font script="Gujr" typeface="Shruti"/>
+        <a:font script="Khmr" typeface="DaunPenh"/>
+        <a:font script="Knda" typeface="Tunga"/>
+        <a:font script="Guru" typeface="Raavi"/>
+        <a:font script="Cans" typeface="Euphemia"/>
+        <a:font script="Cher" typeface="Plantagenet Cherokee"/>
+        <a:font script="Yiii" typeface="Microsoft Yi Baiti"/>
+        <a:font script="Tibt" typeface="Microsoft Himalaya"/>
+        <a:font script="Thaa" typeface="MV Boli"/>
+        <a:font script="Deva" typeface="Mangal"/>
+        <a:font script="Telu" typeface="Gautami"/>
+        <a:font script="Taml" typeface="Latha"/>
+        <a:font script="Syrc" typeface="Estrangelo Edessa"/>
+        <a:font script="Orya" typeface="Kalinga"/>
+        <a:font script="Mlym" typeface="Kartika"/>
+        <a:font script="Laoo" typeface="DokChampa"/>
+        <a:font script="Sinh" typeface="Iskoola Pota"/>
+        <a:font script="Mong" typeface="Mongolian Baiti"/>
+        <a:font script="Viet" typeface="Arial"/>
+        <a:font script="Uigh" typeface="Microsoft Uighur"/>
+        <a:font script="Geor" typeface="Sylfaen"/>
+      </a:majorFont>
+      <a:minorFont>
+        <a:latin typeface="Arial"/>
+        <a:ea typeface=""/>
+        <a:cs typeface=""/>
+        <a:font script="Jpan" typeface="ＭＳ Ｐゴシック"/>
+        <a:font script="Hang" typeface="돋움"/>
+        <a:font script="Hans" typeface="方正舒体"/>
+        <a:font script="Hant" typeface="微軟正黑體"/>
+        <a:font script="Arab" typeface="Arial"/>
+        <a:font script="Hebr" typeface="Arial"/>
+        <a:font script="Thai" typeface="Cordia New"/>
+        <a:font script="Ethi" typeface="Nyala"/>
+        <a:font script="Beng" typeface="Vrinda"/>
+        <a:font script="Gujr" typeface="Shruti"/>
+        <a:font script="Khmr" typeface="DaunPenh"/>
+        <a:font script="Knda" typeface="Tunga"/>
+        <a:font script="Guru" typeface="Raavi"/>
+        <a:font script="Cans" typeface="Euphemia"/>
+        <a:font script="Cher" typeface="Plantagenet Cherokee"/>
+        <a:font script="Yiii" typeface="Microsoft Yi Baiti"/>
+        <a:font script="Tibt" typeface="Microsoft Himalaya"/>
+        <a:font script="Thaa" typeface="MV Boli"/>
+        <a:font script="Deva" typeface="Mangal"/>
+        <a:font script="Telu" typeface="Gautami"/>
+        <a:font script="Taml" typeface="Latha"/>
+        <a:font script="Syrc" typeface="Estrangelo Edessa"/>
+        <a:font script="Orya" typeface="Kalinga"/>
+        <a:font script="Mlym" typeface="Kartika"/>
+        <a:font script="Laoo" typeface="DokChampa"/>
+        <a:font script="Sinh" typeface="Iskoola Pota"/>
+        <a:font script="Mong" typeface="Mongolian Baiti"/>
+        <a:font script="Viet" typeface="Arial"/>
+        <a:font script="Uigh" typeface="Microsoft Uighur"/>
+        <a:font script="Geor" typeface="Sylfaen"/>
+      </a:minorFont>
+    </a:fontScheme>
+    <a:fmtScheme name="Clarity">
+      <a:fillStyleLst>
+        <a:solidFill>
+          <a:schemeClr val="phClr"/>
+        </a:solidFill>
+        <a:gradFill rotWithShape="1">
+          <a:gsLst>
+            <a:gs pos="0">
+              <a:schemeClr val="phClr">
+                <a:tint val="50000"/>
+                <a:shade val="86000"/>
+                <a:satMod val="140000"/>
+              </a:schemeClr>
+            </a:gs>
+            <a:gs pos="45000">
+              <a:schemeClr val="phClr">
+                <a:tint val="48000"/>
+                <a:satMod val="150000"/>
+              </a:schemeClr>
+            </a:gs>
+            <a:gs pos="100000">
+              <a:schemeClr val="phClr">
+                <a:tint val="28000"/>
+                <a:satMod val="160000"/>
+              </a:schemeClr>
+            </a:gs>
+          </a:gsLst>
+          <a:path path="circle">
+            <a:fillToRect l="100000" t="100000" r="100000" b="100000"/>
+          </a:path>
+        </a:gradFill>
+        <a:gradFill rotWithShape="1">
+          <a:gsLst>
+            <a:gs pos="0">
+              <a:schemeClr val="phClr">
+                <a:shade val="70000"/>
+                <a:satMod val="150000"/>
+              </a:schemeClr>
+            </a:gs>
+            <a:gs pos="34000">
+              <a:schemeClr val="phClr">
+                <a:shade val="70000"/>
+                <a:satMod val="140000"/>
+              </a:schemeClr>
+            </a:gs>
+            <a:gs pos="70000">
+              <a:schemeClr val="phClr">
+                <a:tint val="100000"/>
+                <a:shade val="90000"/>
+                <a:satMod val="140000"/>
+              </a:schemeClr>
+            </a:gs>
+            <a:gs pos="100000">
+              <a:schemeClr val="phClr">
+                <a:tint val="100000"/>
+                <a:shade val="100000"/>
+                <a:satMod val="100000"/>
+              </a:schemeClr>
+            </a:gs>
+          </a:gsLst>
+          <a:path path="circle">
+            <a:fillToRect l="100000" t="100000" r="100000" b="100000"/>
+          </a:path>
+        </a:gradFill>
+      </a:fillStyleLst>
+      <a:lnStyleLst>
+        <a:ln w="9525" cap="flat" cmpd="sng" algn="ctr">
+          <a:solidFill>
+            <a:schemeClr val="phClr"/>
+          </a:solidFill>
+          <a:prstDash val="solid"/>
+        </a:ln>
+        <a:ln w="26425" cap="flat" cmpd="sng" algn="ctr">
+          <a:solidFill>
+            <a:schemeClr val="phClr"/>
+          </a:solidFill>
+          <a:prstDash val="solid"/>
+        </a:ln>
+        <a:ln w="44450" cap="flat" cmpd="sng" algn="ctr">
+          <a:solidFill>
+            <a:schemeClr val="phClr"/>
+          </a:solidFill>
+          <a:prstDash val="solid"/>
+        </a:ln>
+      </a:lnStyleLst>
+      <a:effectStyleLst>
+        <a:effectStyle>
+          <a:effectLst/>
+        </a:effectStyle>
+        <a:effectStyle>
+          <a:effectLst>
+            <a:outerShdw blurRad="38100" dist="25400" dir="2700000" algn="br" rotWithShape="0">
+              <a:srgbClr val="000000">
+                <a:alpha val="60000"/>
+              </a:srgbClr>
+            </a:outerShdw>
+          </a:effectLst>
+        </a:effectStyle>
+        <a:effectStyle>
+          <a:effectLst>
+            <a:outerShdw blurRad="38100" dist="25400" dir="2700000" algn="br" rotWithShape="0">
+              <a:srgbClr val="000000">
+                <a:alpha val="60000"/>
+              </a:srgbClr>
+            </a:outerShdw>
+          </a:effectLst>
+          <a:scene3d>
+            <a:camera prst="orthographicFront">
+              <a:rot lat="0" lon="0" rev="0"/>
+            </a:camera>
+            <a:lightRig rig="balanced" dir="t">
+              <a:rot lat="0" lon="0" rev="5100000"/>
+            </a:lightRig>
+          </a:scene3d>
+          <a:sp3d contourW="6350">
+            <a:bevelT w="29210" h="12700"/>
+            <a:contourClr>
+              <a:schemeClr val="phClr">
+                <a:shade val="30000"/>
+                <a:satMod val="130000"/>
+              </a:schemeClr>
+            </a:contourClr>
+          </a:sp3d>
+        </a:effectStyle>
+      </a:effectStyleLst>
+      <a:bgFillStyleLst>
+        <a:solidFill>
+          <a:schemeClr val="phClr"/>
+        </a:solidFill>
+        <a:gradFill rotWithShape="1">
+          <a:gsLst>
+            <a:gs pos="0">
+              <a:schemeClr val="phClr">
+                <a:tint val="85000"/>
+                <a:satMod val="180000"/>
+              </a:schemeClr>
+            </a:gs>
+            <a:gs pos="40000">
+              <a:schemeClr val="phClr">
+                <a:tint val="95000"/>
+                <a:shade val="85000"/>
+                <a:satMod val="150000"/>
+              </a:schemeClr>
+            </a:gs>
+            <a:gs pos="100000">
+              <a:schemeClr val="phClr">
+                <a:shade val="45000"/>
+                <a:satMod val="200000"/>
+              </a:schemeClr>
+            </a:gs>
+          </a:gsLst>
+          <a:lin ang="5400000" scaled="0"/>
+        </a:gradFill>
+        <a:blipFill rotWithShape="1">
+          <a:blip xmlns:r="http://schemas.openxmlformats.org/officeDocument/2006/relationships" r:embed="rId1">
+            <a:duotone>
+              <a:schemeClr val="phClr">
+                <a:shade val="55000"/>
+              </a:schemeClr>
+              <a:schemeClr val="phClr">
+                <a:tint val="97000"/>
+                <a:satMod val="95000"/>
+              </a:schemeClr>
+            </a:duotone>
+          </a:blip>
+          <a:tile tx="0" ty="0" sx="70000" sy="70000" flip="none" algn="tl"/>
+        </a:blipFill>
+      </a:bgFillStyleLst>
+    </a:fmtScheme>
+  </a:themeElements>
+  <a:objectDefaults/>
+  <a:extraClrSchemeLst/>
+</a:theme>
+</file>
+
+<file path=ppt/theme/theme2.xml><?xml version="1.0" encoding="utf-8"?>
 <a:theme xmlns:a="http://schemas.openxmlformats.org/drawingml/2006/main" name="Office Theme">
   <a:themeElements>
     <a:clrScheme name="Office">
@@ -3931,6 +5162,7 @@
         <a:font script="Mong" typeface="Mongolian Baiti"/>
         <a:font script="Viet" typeface="Times New Roman"/>
         <a:font script="Uigh" typeface="Microsoft Uighur"/>
+        <a:font script="Geor" typeface="Sylfaen"/>
       </a:majorFont>
       <a:minorFont>
         <a:latin typeface="Calibri"/>
@@ -3965,6 +5197,7 @@
         <a:font script="Mong" typeface="Mongolian Baiti"/>
         <a:font script="Viet" typeface="Arial"/>
         <a:font script="Uigh" typeface="Microsoft Uighur"/>
+        <a:font script="Geor" typeface="Sylfaen"/>
       </a:minorFont>
     </a:fontScheme>
     <a:fmtScheme name="Office">

--- a/Licenta.pptx
+++ b/Licenta.pptx
@@ -5,16 +5,17 @@
     <p:sldMasterId id="2147483660" r:id="rId1"/>
   </p:sldMasterIdLst>
   <p:notesMasterIdLst>
-    <p:notesMasterId r:id="rId9"/>
+    <p:notesMasterId r:id="rId10"/>
   </p:notesMasterIdLst>
   <p:sldIdLst>
     <p:sldId id="256" r:id="rId2"/>
-    <p:sldId id="257" r:id="rId3"/>
-    <p:sldId id="258" r:id="rId4"/>
-    <p:sldId id="259" r:id="rId5"/>
-    <p:sldId id="260" r:id="rId6"/>
-    <p:sldId id="261" r:id="rId7"/>
-    <p:sldId id="262" r:id="rId8"/>
+    <p:sldId id="263" r:id="rId3"/>
+    <p:sldId id="257" r:id="rId4"/>
+    <p:sldId id="258" r:id="rId5"/>
+    <p:sldId id="259" r:id="rId6"/>
+    <p:sldId id="260" r:id="rId7"/>
+    <p:sldId id="261" r:id="rId8"/>
+    <p:sldId id="262" r:id="rId9"/>
   </p:sldIdLst>
   <p:sldSz cx="9144000" cy="6858000" type="screen4x3"/>
   <p:notesSz cx="6858000" cy="9144000"/>
@@ -3890,11 +3891,11 @@
   <p:clrMapOvr>
     <a:masterClrMapping/>
   </p:clrMapOvr>
-  <mc:AlternateContent xmlns:mc="http://schemas.openxmlformats.org/markup-compatibility/2006">
-    <mc:Choice xmlns:p14="http://schemas.microsoft.com/office/powerpoint/2010/main" Requires="p14">
+  <mc:AlternateContent xmlns:mc="http://schemas.openxmlformats.org/markup-compatibility/2006" xmlns:p14="http://schemas.microsoft.com/office/powerpoint/2010/main">
+    <mc:Choice Requires="p14">
       <p:transition p14:dur="0"/>
     </mc:Choice>
-    <mc:Fallback>
+    <mc:Fallback xmlns="">
       <p:transition/>
     </mc:Fallback>
   </mc:AlternateContent>
@@ -3942,123 +3943,61 @@
           <a:p>
             <a:r>
               <a:rPr lang="ro-RO" dirty="0" smtClean="0"/>
+              <a:t>Cuprins</a:t>
+            </a:r>
+            <a:endParaRPr lang="ro-RO" dirty="0"/>
+          </a:p>
+        </p:txBody>
+      </p:sp>
+      <p:sp>
+        <p:nvSpPr>
+          <p:cNvPr id="3" name="Content Placeholder 2"/>
+          <p:cNvSpPr>
+            <a:spLocks noGrp="1"/>
+          </p:cNvSpPr>
+          <p:nvPr>
+            <p:ph idx="1"/>
+          </p:nvPr>
+        </p:nvSpPr>
+        <p:spPr/>
+        <p:txBody>
+          <a:bodyPr/>
+          <a:lstStyle/>
+          <a:p>
+            <a:pPr marL="0" indent="0">
+              <a:buNone/>
+            </a:pPr>
+            <a:endParaRPr lang="ro-RO" dirty="0" smtClean="0"/>
+          </a:p>
+          <a:p>
+            <a:r>
+              <a:rPr lang="ro-RO" dirty="0" smtClean="0"/>
               <a:t>Structura documentației</a:t>
             </a:r>
-            <a:endParaRPr lang="ro-RO" dirty="0"/>
-          </a:p>
-        </p:txBody>
-      </p:sp>
-      <p:sp>
-        <p:nvSpPr>
-          <p:cNvPr id="3" name="Content Placeholder 2"/>
-          <p:cNvSpPr>
-            <a:spLocks noGrp="1"/>
-          </p:cNvSpPr>
-          <p:nvPr>
-            <p:ph idx="1"/>
-          </p:nvPr>
-        </p:nvSpPr>
-        <p:spPr>
-          <a:xfrm>
-            <a:off x="457200" y="1600200"/>
-            <a:ext cx="8229600" cy="4724400"/>
-          </a:xfrm>
-        </p:spPr>
-        <p:txBody>
-          <a:bodyPr>
-            <a:normAutofit/>
-          </a:bodyPr>
-          <a:lstStyle/>
+          </a:p>
           <a:p>
             <a:r>
               <a:rPr lang="ro-RO" dirty="0" smtClean="0"/>
-              <a:t>Capitolul I – Noțiuni generale</a:t>
-            </a:r>
-          </a:p>
-          <a:p>
-            <a:pPr marL="0" indent="0">
-              <a:buNone/>
-            </a:pPr>
-            <a:r>
-              <a:rPr lang="ro-RO" dirty="0"/>
-              <a:t>	</a:t>
-            </a:r>
-            <a:r>
-              <a:rPr lang="ro-RO" sz="2400" dirty="0" smtClean="0"/>
-              <a:t>Subcapitole: Inteligență artificială, Lingvistică 	computațională, Testul Turing, Chatterbots</a:t>
+              <a:t>Tehnologii utilizate</a:t>
             </a:r>
           </a:p>
           <a:p>
             <a:r>
               <a:rPr lang="ro-RO" dirty="0" smtClean="0"/>
-              <a:t>Capitolul II – Prezentarea aplicației</a:t>
-            </a:r>
-          </a:p>
-          <a:p>
-            <a:pPr marL="0" indent="0">
-              <a:buNone/>
-            </a:pPr>
+              <a:t>Prezentarea aplicației</a:t>
+            </a:r>
+          </a:p>
+          <a:p>
             <a:r>
               <a:rPr lang="ro-RO" dirty="0" smtClean="0"/>
-              <a:t>	</a:t>
-            </a:r>
-            <a:r>
-              <a:rPr lang="vi-VN" sz="2400" dirty="0" smtClean="0"/>
-              <a:t>Subcapitole</a:t>
-            </a:r>
-            <a:r>
-              <a:rPr lang="vi-VN" sz="2400" dirty="0"/>
-              <a:t>: </a:t>
-            </a:r>
-            <a:r>
-              <a:rPr lang="ro-RO" sz="2400" dirty="0" smtClean="0"/>
-              <a:t>Scurtă prezentare, Exemple de diferite 	input-uri și output-uri corespunzătoare,  Metode de 	învățare a cuvintelor</a:t>
-            </a:r>
-            <a:endParaRPr lang="ro-RO" dirty="0" smtClean="0"/>
+              <a:t>Concluzii</a:t>
+            </a:r>
           </a:p>
           <a:p>
             <a:r>
               <a:rPr lang="ro-RO" dirty="0" smtClean="0"/>
-              <a:t>Capitolul III – Implementarea aplicației</a:t>
-            </a:r>
-          </a:p>
-          <a:p>
-            <a:pPr marL="0" indent="0">
-              <a:buNone/>
-            </a:pPr>
-            <a:r>
-              <a:rPr lang="ro-RO" dirty="0"/>
-              <a:t>	</a:t>
-            </a:r>
-            <a:r>
-              <a:rPr lang="ro-RO" sz="2400" dirty="0" smtClean="0"/>
-              <a:t>Subcapitole: Modelarea personajului, Analiza </a:t>
-            </a:r>
-            <a:r>
-              <a:rPr lang="ro-RO" sz="2400" dirty="0" smtClean="0"/>
-              <a:t>	Textului</a:t>
-            </a:r>
-            <a:r>
-              <a:rPr lang="ro-RO" sz="2400" dirty="0" smtClean="0"/>
-              <a:t>, </a:t>
-            </a:r>
-            <a:r>
-              <a:rPr lang="ro-RO" sz="2400" dirty="0" smtClean="0"/>
-              <a:t>Găsirea </a:t>
-            </a:r>
-            <a:r>
-              <a:rPr lang="ro-RO" sz="2400" dirty="0" smtClean="0"/>
-              <a:t>sinonimelor și învățarea </a:t>
-            </a:r>
-            <a:r>
-              <a:rPr lang="ro-RO" sz="2400" dirty="0" smtClean="0"/>
-              <a:t>automată 	a </a:t>
-            </a:r>
-            <a:r>
-              <a:rPr lang="ro-RO" sz="2400" dirty="0" smtClean="0"/>
-              <a:t>cuvintelor</a:t>
-            </a:r>
-            <a:endParaRPr lang="ro-RO" sz="2400" dirty="0"/>
+              <a:t>Dezvoltări ulterioare</a:t>
+            </a:r>
           </a:p>
         </p:txBody>
       </p:sp>
@@ -4089,20 +4028,13 @@
     </p:spTree>
     <p:extLst>
       <p:ext uri="{BB962C8B-B14F-4D97-AF65-F5344CB8AC3E}">
-        <p14:creationId xmlns:p14="http://schemas.microsoft.com/office/powerpoint/2010/main" val="1374239946"/>
+        <p14:creationId xmlns:p14="http://schemas.microsoft.com/office/powerpoint/2010/main" val="1415274607"/>
       </p:ext>
     </p:extLst>
   </p:cSld>
   <p:clrMapOvr>
     <a:masterClrMapping/>
   </p:clrMapOvr>
-  <p:timing>
-    <p:tnLst>
-      <p:par>
-        <p:cTn id="1" dur="indefinite" restart="never" nodeType="tmRoot"/>
-      </p:par>
-    </p:tnLst>
-  </p:timing>
 </p:sld>
 </file>
 
@@ -4140,7 +4072,7 @@
           <a:p>
             <a:r>
               <a:rPr lang="ro-RO" dirty="0" smtClean="0"/>
-              <a:t>Tehnologii utilizate</a:t>
+              <a:t>Structura documentației</a:t>
             </a:r>
             <a:endParaRPr lang="ro-RO" dirty="0"/>
           </a:p>
@@ -4156,49 +4088,83 @@
             <p:ph idx="1"/>
           </p:nvPr>
         </p:nvSpPr>
-        <p:spPr/>
-        <p:txBody>
-          <a:bodyPr/>
-          <a:lstStyle/>
-          <a:p>
-            <a:pPr marL="0" indent="0" algn="ctr">
+        <p:spPr>
+          <a:xfrm>
+            <a:off x="457200" y="1600200"/>
+            <a:ext cx="8229600" cy="4724400"/>
+          </a:xfrm>
+        </p:spPr>
+        <p:txBody>
+          <a:bodyPr>
+            <a:normAutofit/>
+          </a:bodyPr>
+          <a:lstStyle/>
+          <a:p>
+            <a:r>
+              <a:rPr lang="ro-RO" dirty="0" smtClean="0"/>
+              <a:t>Capitolul I – Noțiuni generale</a:t>
+            </a:r>
+          </a:p>
+          <a:p>
+            <a:pPr marL="0" indent="0">
               <a:buNone/>
             </a:pPr>
             <a:r>
-              <a:rPr lang="ro-RO" sz="4000" b="1" dirty="0" smtClean="0"/>
-              <a:t>Java</a:t>
-            </a:r>
-          </a:p>
-          <a:p>
-            <a:pPr marL="0" indent="0" algn="ctr">
+              <a:rPr lang="ro-RO" dirty="0"/>
+              <a:t>	</a:t>
+            </a:r>
+            <a:r>
+              <a:rPr lang="ro-RO" sz="2400" dirty="0" smtClean="0"/>
+              <a:t>Subcapitole: Inteligență artificială, Lingvistică 	computațională, Testul Turing, Chatterbots</a:t>
+            </a:r>
+          </a:p>
+          <a:p>
+            <a:r>
+              <a:rPr lang="ro-RO" dirty="0" smtClean="0"/>
+              <a:t>Capitolul II – Prezentarea aplicației</a:t>
+            </a:r>
+          </a:p>
+          <a:p>
+            <a:pPr marL="0" indent="0">
               <a:buNone/>
             </a:pPr>
-            <a:endParaRPr lang="ro-RO" sz="4000" dirty="0" smtClean="0"/>
-          </a:p>
-          <a:p>
             <a:r>
               <a:rPr lang="ro-RO" dirty="0" smtClean="0"/>
-              <a:t>Simplitate</a:t>
-            </a:r>
+              <a:t>	</a:t>
+            </a:r>
+            <a:r>
+              <a:rPr lang="vi-VN" sz="2400" dirty="0" smtClean="0"/>
+              <a:t>Subcapitole</a:t>
+            </a:r>
+            <a:r>
+              <a:rPr lang="vi-VN" sz="2400" dirty="0"/>
+              <a:t>: </a:t>
+            </a:r>
+            <a:r>
+              <a:rPr lang="ro-RO" sz="2400" dirty="0" smtClean="0"/>
+              <a:t>Scurtă prezentare, Exemple de diferite 	input-uri și output-uri corespunzătoare,  Metode de 	învățare a cuvintelor</a:t>
+            </a:r>
+            <a:endParaRPr lang="ro-RO" dirty="0" smtClean="0"/>
           </a:p>
           <a:p>
             <a:r>
               <a:rPr lang="ro-RO" dirty="0" smtClean="0"/>
-              <a:t>Portabilitate</a:t>
-            </a:r>
-          </a:p>
-          <a:p>
-            <a:r>
-              <a:rPr lang="ro-RO" dirty="0" smtClean="0"/>
-              <a:t>Neutralitate arhitecturală</a:t>
-            </a:r>
-          </a:p>
-          <a:p>
-            <a:r>
-              <a:rPr lang="ro-RO" dirty="0" smtClean="0"/>
-              <a:t>Robustețe</a:t>
-            </a:r>
-            <a:endParaRPr lang="ro-RO" dirty="0"/>
+              <a:t>Capitolul III – Implementarea aplicației</a:t>
+            </a:r>
+          </a:p>
+          <a:p>
+            <a:pPr marL="0" indent="0">
+              <a:buNone/>
+            </a:pPr>
+            <a:r>
+              <a:rPr lang="ro-RO" dirty="0"/>
+              <a:t>	</a:t>
+            </a:r>
+            <a:r>
+              <a:rPr lang="ro-RO" sz="2400" dirty="0" smtClean="0"/>
+              <a:t>Subcapitole: Modelarea personajului, Analiza 	Textului, Găsirea sinonimelor și învățarea automată 	a cuvintelor</a:t>
+            </a:r>
+            <a:endParaRPr lang="ro-RO" sz="2400" dirty="0"/>
           </a:p>
         </p:txBody>
       </p:sp>
@@ -4229,7 +4195,7 @@
     </p:spTree>
     <p:extLst>
       <p:ext uri="{BB962C8B-B14F-4D97-AF65-F5344CB8AC3E}">
-        <p14:creationId xmlns:p14="http://schemas.microsoft.com/office/powerpoint/2010/main" val="1308762066"/>
+        <p14:creationId xmlns:p14="http://schemas.microsoft.com/office/powerpoint/2010/main" val="1374239946"/>
       </p:ext>
     </p:extLst>
   </p:cSld>
@@ -4306,46 +4272,37 @@
             </a:pPr>
             <a:r>
               <a:rPr lang="ro-RO" sz="4000" b="1" dirty="0" smtClean="0"/>
-              <a:t>Autodesk Maya</a:t>
-            </a:r>
-          </a:p>
-          <a:p>
-            <a:endParaRPr lang="ro-RO" dirty="0"/>
+              <a:t>Java</a:t>
+            </a:r>
+          </a:p>
+          <a:p>
+            <a:pPr marL="0" indent="0" algn="ctr">
+              <a:buNone/>
+            </a:pPr>
+            <a:endParaRPr lang="ro-RO" sz="4000" dirty="0" smtClean="0"/>
           </a:p>
           <a:p>
             <a:r>
               <a:rPr lang="ro-RO" dirty="0" smtClean="0"/>
-              <a:t>Modelare rapidă: Multi-cut Tool, Node Editor</a:t>
+              <a:t>Simplitate</a:t>
             </a:r>
           </a:p>
           <a:p>
             <a:r>
               <a:rPr lang="ro-RO" dirty="0" smtClean="0"/>
-              <a:t>Eficiență: </a:t>
-            </a:r>
-            <a:r>
-              <a:rPr lang="pt-BR" dirty="0"/>
-              <a:t>algoritm de reducere a numărului de </a:t>
-            </a:r>
-            <a:r>
-              <a:rPr lang="pt-BR" dirty="0" smtClean="0"/>
-              <a:t>poligoane</a:t>
-            </a:r>
+              <a:t>Portabilitate</a:t>
+            </a:r>
+          </a:p>
+          <a:p>
             <a:r>
               <a:rPr lang="ro-RO" dirty="0" smtClean="0"/>
-              <a:t>, suport pentru DirectX11</a:t>
+              <a:t>Neutralitate arhitecturală</a:t>
             </a:r>
           </a:p>
           <a:p>
             <a:r>
               <a:rPr lang="ro-RO" dirty="0" smtClean="0"/>
-              <a:t>Render rapid: mental ray</a:t>
-            </a:r>
-          </a:p>
-          <a:p>
-            <a:r>
-              <a:rPr lang="ro-RO" dirty="0" smtClean="0"/>
-              <a:t>User-friendly</a:t>
+              <a:t>Robustețe</a:t>
             </a:r>
             <a:endParaRPr lang="ro-RO" dirty="0"/>
           </a:p>
@@ -4378,7 +4335,7 @@
     </p:spTree>
     <p:extLst>
       <p:ext uri="{BB962C8B-B14F-4D97-AF65-F5344CB8AC3E}">
-        <p14:creationId xmlns:p14="http://schemas.microsoft.com/office/powerpoint/2010/main" val="4104035953"/>
+        <p14:creationId xmlns:p14="http://schemas.microsoft.com/office/powerpoint/2010/main" val="1308762066"/>
       </p:ext>
     </p:extLst>
   </p:cSld>
@@ -4429,7 +4386,7 @@
           <a:p>
             <a:r>
               <a:rPr lang="ro-RO" dirty="0" smtClean="0"/>
-              <a:t>Prezentarea aplicației</a:t>
+              <a:t>Tehnologii utilizate</a:t>
             </a:r>
             <a:endParaRPr lang="ro-RO" dirty="0"/>
           </a:p>
@@ -4453,23 +4410,53 @@
             <a:pPr marL="0" indent="0" algn="ctr">
               <a:buNone/>
             </a:pPr>
+            <a:r>
+              <a:rPr lang="ro-RO" sz="4000" b="1" dirty="0" smtClean="0"/>
+              <a:t>Autodesk Maya</a:t>
+            </a:r>
+          </a:p>
+          <a:p>
             <a:endParaRPr lang="ro-RO" dirty="0" smtClean="0"/>
           </a:p>
           <a:p>
-            <a:pPr marL="0" indent="0" algn="ctr">
-              <a:buNone/>
-            </a:pPr>
-            <a:endParaRPr lang="ro-RO" dirty="0" smtClean="0"/>
-          </a:p>
-          <a:p>
-            <a:pPr marL="0" indent="0" algn="ctr">
-              <a:buNone/>
-            </a:pPr>
-            <a:r>
-              <a:rPr lang="ro-RO" sz="8800" dirty="0" smtClean="0"/>
-              <a:t>Live demo</a:t>
-            </a:r>
-            <a:endParaRPr lang="ro-RO" sz="8800" dirty="0"/>
+            <a:endParaRPr lang="ro-RO" dirty="0"/>
+          </a:p>
+          <a:p>
+            <a:r>
+              <a:rPr lang="ro-RO" dirty="0" smtClean="0"/>
+              <a:t>Modelare rapidă: Multi-cut Tool, Node Editor</a:t>
+            </a:r>
+          </a:p>
+          <a:p>
+            <a:r>
+              <a:rPr lang="ro-RO" dirty="0" smtClean="0"/>
+              <a:t>Eficiență: </a:t>
+            </a:r>
+            <a:r>
+              <a:rPr lang="pt-BR" dirty="0"/>
+              <a:t>algoritm de reducere a numărului de </a:t>
+            </a:r>
+            <a:r>
+              <a:rPr lang="pt-BR" dirty="0" smtClean="0"/>
+              <a:t>poligoane</a:t>
+            </a:r>
+            <a:r>
+              <a:rPr lang="ro-RO" dirty="0" smtClean="0"/>
+              <a:t>, suport pentru DirectX11</a:t>
+            </a:r>
+          </a:p>
+          <a:p>
+            <a:r>
+              <a:rPr lang="ro-RO" dirty="0" smtClean="0"/>
+              <a:t>Render rapid: mental ray</a:t>
+            </a:r>
+          </a:p>
+          <a:p>
+            <a:r>
+              <a:rPr lang="ro-RO" dirty="0" smtClean="0"/>
+              <a:t>User-friendly</a:t>
+            </a:r>
+            <a:endParaRPr lang="ro-RO" dirty="0"/>
           </a:p>
         </p:txBody>
       </p:sp>
@@ -4500,7 +4487,7 @@
     </p:spTree>
     <p:extLst>
       <p:ext uri="{BB962C8B-B14F-4D97-AF65-F5344CB8AC3E}">
-        <p14:creationId xmlns:p14="http://schemas.microsoft.com/office/powerpoint/2010/main" val="3135085020"/>
+        <p14:creationId xmlns:p14="http://schemas.microsoft.com/office/powerpoint/2010/main" val="4104035953"/>
       </p:ext>
     </p:extLst>
   </p:cSld>
@@ -4551,7 +4538,7 @@
           <a:p>
             <a:r>
               <a:rPr lang="ro-RO" dirty="0" smtClean="0"/>
-              <a:t>Concluzii</a:t>
+              <a:t>Prezentarea aplicației</a:t>
             </a:r>
             <a:endParaRPr lang="ro-RO" dirty="0"/>
           </a:p>
@@ -4569,39 +4556,29 @@
         </p:nvSpPr>
         <p:spPr/>
         <p:txBody>
-          <a:bodyPr>
-            <a:normAutofit/>
-          </a:bodyPr>
-          <a:lstStyle/>
-          <a:p>
-            <a:r>
-              <a:rPr lang="ro-RO" dirty="0"/>
-              <a:t>Lucrarea de față are ca scop prezentarea unei aplicații care poate reacționa cât mai credibil </a:t>
-            </a:r>
-            <a:r>
-              <a:rPr lang="ro-RO" dirty="0" smtClean="0"/>
-              <a:t>în </a:t>
-            </a:r>
-            <a:r>
-              <a:rPr lang="ro-RO" dirty="0"/>
-              <a:t>fața unui text introdus de către un utilizator. </a:t>
-            </a:r>
-            <a:r>
-              <a:rPr lang="ro-RO" dirty="0" smtClean="0"/>
-              <a:t>Programul a fost scris </a:t>
-            </a:r>
-            <a:r>
-              <a:rPr lang="ro-RO" dirty="0"/>
-              <a:t>într-un mod cât mai eficient, în așa fel încât acesta să consume cât mai puțină memorie RAM și să nu folosească în mod intensiv procesorul. </a:t>
-            </a:r>
+          <a:bodyPr/>
+          <a:lstStyle/>
+          <a:p>
+            <a:pPr marL="0" indent="0" algn="ctr">
+              <a:buNone/>
+            </a:pPr>
             <a:endParaRPr lang="ro-RO" dirty="0" smtClean="0"/>
           </a:p>
           <a:p>
-            <a:r>
-              <a:rPr lang="ro-RO" dirty="0" smtClean="0"/>
-              <a:t>De asemenea, acesta respectă arhitectura MVC, fiind astfel ușor de modificat și integrat în alte proiecte.</a:t>
-            </a:r>
-            <a:endParaRPr lang="ro-RO" dirty="0"/>
+            <a:pPr marL="0" indent="0" algn="ctr">
+              <a:buNone/>
+            </a:pPr>
+            <a:endParaRPr lang="ro-RO" dirty="0" smtClean="0"/>
+          </a:p>
+          <a:p>
+            <a:pPr marL="0" indent="0" algn="ctr">
+              <a:buNone/>
+            </a:pPr>
+            <a:r>
+              <a:rPr lang="ro-RO" sz="8800" dirty="0" smtClean="0"/>
+              <a:t>Live demo</a:t>
+            </a:r>
+            <a:endParaRPr lang="ro-RO" sz="8800" dirty="0"/>
           </a:p>
         </p:txBody>
       </p:sp>
@@ -4632,7 +4609,7 @@
     </p:spTree>
     <p:extLst>
       <p:ext uri="{BB962C8B-B14F-4D97-AF65-F5344CB8AC3E}">
-        <p14:creationId xmlns:p14="http://schemas.microsoft.com/office/powerpoint/2010/main" val="2049769583"/>
+        <p14:creationId xmlns:p14="http://schemas.microsoft.com/office/powerpoint/2010/main" val="3135085020"/>
       </p:ext>
     </p:extLst>
   </p:cSld>
@@ -4683,6 +4660,157 @@
           <a:p>
             <a:r>
               <a:rPr lang="ro-RO" dirty="0" smtClean="0"/>
+              <a:t>Concluzii</a:t>
+            </a:r>
+            <a:endParaRPr lang="ro-RO" dirty="0"/>
+          </a:p>
+        </p:txBody>
+      </p:sp>
+      <p:sp>
+        <p:nvSpPr>
+          <p:cNvPr id="3" name="Content Placeholder 2"/>
+          <p:cNvSpPr>
+            <a:spLocks noGrp="1"/>
+          </p:cNvSpPr>
+          <p:nvPr>
+            <p:ph idx="1"/>
+          </p:nvPr>
+        </p:nvSpPr>
+        <p:spPr>
+          <a:xfrm>
+            <a:off x="457200" y="2286000"/>
+            <a:ext cx="8229600" cy="4191000"/>
+          </a:xfrm>
+        </p:spPr>
+        <p:txBody>
+          <a:bodyPr>
+            <a:normAutofit/>
+          </a:bodyPr>
+          <a:lstStyle/>
+          <a:p>
+            <a:pPr marL="0" indent="0">
+              <a:buNone/>
+            </a:pPr>
+            <a:r>
+              <a:rPr lang="ro-RO" dirty="0" smtClean="0"/>
+              <a:t>	Lucrarea </a:t>
+            </a:r>
+            <a:r>
+              <a:rPr lang="ro-RO" dirty="0"/>
+              <a:t>de față are ca scop prezentarea unei aplicații care poate reacționa cât mai credibil </a:t>
+            </a:r>
+            <a:r>
+              <a:rPr lang="ro-RO" dirty="0" smtClean="0"/>
+              <a:t>în </a:t>
+            </a:r>
+            <a:r>
+              <a:rPr lang="ro-RO" dirty="0"/>
+              <a:t>fața unui text introdus de către un utilizator. </a:t>
+            </a:r>
+            <a:r>
+              <a:rPr lang="ro-RO" dirty="0" smtClean="0"/>
+              <a:t>Programul a fost scris </a:t>
+            </a:r>
+            <a:r>
+              <a:rPr lang="ro-RO" dirty="0"/>
+              <a:t>într-un mod cât mai eficient, în așa fel încât acesta să consume cât mai puțină memorie RAM și să nu folosească în mod intensiv procesorul. </a:t>
+            </a:r>
+            <a:endParaRPr lang="ro-RO" dirty="0" smtClean="0"/>
+          </a:p>
+          <a:p>
+            <a:pPr marL="0" indent="0">
+              <a:buNone/>
+            </a:pPr>
+            <a:r>
+              <a:rPr lang="ro-RO" dirty="0" smtClean="0"/>
+              <a:t>	De </a:t>
+            </a:r>
+            <a:r>
+              <a:rPr lang="ro-RO" dirty="0" smtClean="0"/>
+              <a:t>asemenea, acesta respectă arhitectura MVC, fiind astfel ușor de modificat și integrat în alte proiecte.</a:t>
+            </a:r>
+            <a:endParaRPr lang="ro-RO" dirty="0"/>
+          </a:p>
+        </p:txBody>
+      </p:sp>
+      <p:sp>
+        <p:nvSpPr>
+          <p:cNvPr id="4" name="Slide Number Placeholder 3"/>
+          <p:cNvSpPr>
+            <a:spLocks noGrp="1"/>
+          </p:cNvSpPr>
+          <p:nvPr>
+            <p:ph type="sldNum" sz="quarter" idx="12"/>
+          </p:nvPr>
+        </p:nvSpPr>
+        <p:spPr/>
+        <p:txBody>
+          <a:bodyPr/>
+          <a:lstStyle/>
+          <a:p>
+            <a:fld id="{B6F15528-21DE-4FAA-801E-634DDDAF4B2B}" type="slidenum">
+              <a:rPr lang="en-US" smtClean="0"/>
+              <a:pPr/>
+              <a:t>7</a:t>
+            </a:fld>
+            <a:endParaRPr lang="en-US"/>
+          </a:p>
+        </p:txBody>
+      </p:sp>
+    </p:spTree>
+    <p:extLst>
+      <p:ext uri="{BB962C8B-B14F-4D97-AF65-F5344CB8AC3E}">
+        <p14:creationId xmlns:p14="http://schemas.microsoft.com/office/powerpoint/2010/main" val="2049769583"/>
+      </p:ext>
+    </p:extLst>
+  </p:cSld>
+  <p:clrMapOvr>
+    <a:masterClrMapping/>
+  </p:clrMapOvr>
+  <p:timing>
+    <p:tnLst>
+      <p:par>
+        <p:cTn id="1" dur="indefinite" restart="never" nodeType="tmRoot"/>
+      </p:par>
+    </p:tnLst>
+  </p:timing>
+</p:sld>
+</file>
+
+<file path=ppt/slides/slide8.xml><?xml version="1.0" encoding="utf-8"?>
+<p:sld xmlns:a="http://schemas.openxmlformats.org/drawingml/2006/main" xmlns:r="http://schemas.openxmlformats.org/officeDocument/2006/relationships" xmlns:p="http://schemas.openxmlformats.org/presentationml/2006/main">
+  <p:cSld>
+    <p:spTree>
+      <p:nvGrpSpPr>
+        <p:cNvPr id="1" name=""/>
+        <p:cNvGrpSpPr/>
+        <p:nvPr/>
+      </p:nvGrpSpPr>
+      <p:grpSpPr>
+        <a:xfrm>
+          <a:off x="0" y="0"/>
+          <a:ext cx="0" cy="0"/>
+          <a:chOff x="0" y="0"/>
+          <a:chExt cx="0" cy="0"/>
+        </a:xfrm>
+      </p:grpSpPr>
+      <p:sp>
+        <p:nvSpPr>
+          <p:cNvPr id="2" name="Title 1"/>
+          <p:cNvSpPr>
+            <a:spLocks noGrp="1"/>
+          </p:cNvSpPr>
+          <p:nvPr>
+            <p:ph type="title"/>
+          </p:nvPr>
+        </p:nvSpPr>
+        <p:spPr/>
+        <p:txBody>
+          <a:bodyPr/>
+          <a:lstStyle/>
+          <a:p>
+            <a:r>
+              <a:rPr lang="ro-RO" dirty="0" smtClean="0"/>
               <a:t>Dezvoltări ulterioare</a:t>
             </a:r>
             <a:endParaRPr lang="ro-RO" dirty="0"/>
@@ -4699,7 +4827,12 @@
             <p:ph idx="1"/>
           </p:nvPr>
         </p:nvSpPr>
-        <p:spPr/>
+        <p:spPr>
+          <a:xfrm>
+            <a:off x="457200" y="2362200"/>
+            <a:ext cx="8229600" cy="4114800"/>
+          </a:xfrm>
+        </p:spPr>
         <p:txBody>
           <a:bodyPr/>
           <a:lstStyle/>
@@ -4765,7 +4898,7 @@
             <a:fld id="{B6F15528-21DE-4FAA-801E-634DDDAF4B2B}" type="slidenum">
               <a:rPr lang="en-US" smtClean="0"/>
               <a:pPr/>
-              <a:t>7</a:t>
+              <a:t>8</a:t>
             </a:fld>
             <a:endParaRPr lang="en-US"/>
           </a:p>
@@ -4781,11 +4914,11 @@
   <p:clrMapOvr>
     <a:masterClrMapping/>
   </p:clrMapOvr>
-  <mc:AlternateContent xmlns:mc="http://schemas.openxmlformats.org/markup-compatibility/2006">
-    <mc:Choice xmlns:p14="http://schemas.microsoft.com/office/powerpoint/2010/main" Requires="p14">
+  <mc:AlternateContent xmlns:mc="http://schemas.openxmlformats.org/markup-compatibility/2006" xmlns:p14="http://schemas.microsoft.com/office/powerpoint/2010/main">
+    <mc:Choice Requires="p14">
       <p:transition p14:dur="0"/>
     </mc:Choice>
-    <mc:Fallback>
+    <mc:Fallback xmlns="">
       <p:transition/>
     </mc:Fallback>
   </mc:AlternateContent>
